--- a/GodivaBuildingBlocks.pptx
+++ b/GodivaBuildingBlocks.pptx
@@ -5,7 +5,7 @@
     <p:sldMasterId id="2147483648" r:id="rId1"/>
   </p:sldMasterIdLst>
   <p:notesMasterIdLst>
-    <p:notesMasterId r:id="rId27"/>
+    <p:notesMasterId r:id="rId28"/>
   </p:notesMasterIdLst>
   <p:sldIdLst>
     <p:sldId id="267" r:id="rId2"/>
@@ -33,6 +33,7 @@
     <p:sldId id="280" r:id="rId24"/>
     <p:sldId id="281" r:id="rId25"/>
     <p:sldId id="266" r:id="rId26"/>
+    <p:sldId id="283" r:id="rId27"/>
   </p:sldIdLst>
   <p:sldSz cx="9144000" cy="6858000" type="screen4x3"/>
   <p:notesSz cx="6858000" cy="9144000"/>
@@ -131,6 +132,22 @@
       </a:defRPr>
     </a:lvl9pPr>
   </p:defaultTextStyle>
+  <p:extLst>
+    <p:ext uri="{EFAFB233-063F-42B5-8137-9DF3F51BA10A}">
+      <p15:sldGuideLst xmlns:p15="http://schemas.microsoft.com/office/powerpoint/2012/main">
+        <p15:guide id="1" orient="horz" pos="2160">
+          <p15:clr>
+            <a:srgbClr val="A4A3A4"/>
+          </p15:clr>
+        </p15:guide>
+        <p15:guide id="2" pos="2880">
+          <p15:clr>
+            <a:srgbClr val="A4A3A4"/>
+          </p15:clr>
+        </p15:guide>
+      </p15:sldGuideLst>
+    </p:ext>
+  </p:extLst>
 </p:presentation>
 </file>
 
@@ -216,7 +233,7 @@
           <a:p>
             <a:fld id="{A8E27960-D40C-0747-8ED2-2919BB28E046}" type="datetimeFigureOut">
               <a:rPr lang="en-US" smtClean="0"/>
-              <a:t>7/11/17</a:t>
+              <a:t>2/3/23</a:t>
             </a:fld>
             <a:endParaRPr lang="en-US"/>
           </a:p>
@@ -280,38 +297,37 @@
           <a:p>
             <a:pPr lvl="0"/>
             <a:r>
-              <a:rPr lang="en-US" smtClean="0"/>
+              <a:rPr lang="en-US"/>
               <a:t>Click to edit Master text styles</a:t>
             </a:r>
           </a:p>
           <a:p>
             <a:pPr lvl="1"/>
             <a:r>
-              <a:rPr lang="en-US" smtClean="0"/>
+              <a:rPr lang="en-US"/>
               <a:t>Second level</a:t>
             </a:r>
           </a:p>
           <a:p>
             <a:pPr lvl="2"/>
             <a:r>
-              <a:rPr lang="en-US" smtClean="0"/>
+              <a:rPr lang="en-US"/>
               <a:t>Third level</a:t>
             </a:r>
           </a:p>
           <a:p>
             <a:pPr lvl="3"/>
             <a:r>
-              <a:rPr lang="en-US" smtClean="0"/>
+              <a:rPr lang="en-US"/>
               <a:t>Fourth level</a:t>
             </a:r>
           </a:p>
           <a:p>
             <a:pPr lvl="4"/>
             <a:r>
-              <a:rPr lang="en-US" smtClean="0"/>
+              <a:rPr lang="en-US"/>
               <a:t>Fifth level</a:t>
             </a:r>
-            <a:endParaRPr lang="en-US"/>
           </a:p>
         </p:txBody>
       </p:sp>
@@ -606,10 +622,9 @@
           <a:lstStyle/>
           <a:p>
             <a:r>
-              <a:rPr lang="en-US" smtClean="0"/>
+              <a:rPr lang="en-US"/>
               <a:t>Click to edit Master title style</a:t>
             </a:r>
-            <a:endParaRPr lang="en-US"/>
           </a:p>
         </p:txBody>
       </p:sp>
@@ -725,10 +740,9 @@
           </a:lstStyle>
           <a:p>
             <a:r>
-              <a:rPr lang="en-US" smtClean="0"/>
+              <a:rPr lang="en-US"/>
               <a:t>Click to edit Master subtitle style</a:t>
             </a:r>
-            <a:endParaRPr lang="en-US"/>
           </a:p>
         </p:txBody>
       </p:sp>
@@ -749,7 +763,7 @@
           <a:p>
             <a:fld id="{E0708EE0-002E-9646-BC94-734BA4835CFF}" type="datetimeFigureOut">
               <a:rPr lang="en-US" smtClean="0"/>
-              <a:t>7/11/17</a:t>
+              <a:t>2/3/23</a:t>
             </a:fld>
             <a:endParaRPr lang="en-US"/>
           </a:p>
@@ -843,10 +857,9 @@
           <a:lstStyle/>
           <a:p>
             <a:r>
-              <a:rPr lang="en-US" smtClean="0"/>
+              <a:rPr lang="en-US"/>
               <a:t>Click to edit Master title style</a:t>
             </a:r>
-            <a:endParaRPr lang="en-US"/>
           </a:p>
         </p:txBody>
       </p:sp>
@@ -867,38 +880,37 @@
           <a:p>
             <a:pPr lvl="0"/>
             <a:r>
-              <a:rPr lang="en-US" smtClean="0"/>
+              <a:rPr lang="en-US"/>
               <a:t>Click to edit Master text styles</a:t>
             </a:r>
           </a:p>
           <a:p>
             <a:pPr lvl="1"/>
             <a:r>
-              <a:rPr lang="en-US" smtClean="0"/>
+              <a:rPr lang="en-US"/>
               <a:t>Second level</a:t>
             </a:r>
           </a:p>
           <a:p>
             <a:pPr lvl="2"/>
             <a:r>
-              <a:rPr lang="en-US" smtClean="0"/>
+              <a:rPr lang="en-US"/>
               <a:t>Third level</a:t>
             </a:r>
           </a:p>
           <a:p>
             <a:pPr lvl="3"/>
             <a:r>
-              <a:rPr lang="en-US" smtClean="0"/>
+              <a:rPr lang="en-US"/>
               <a:t>Fourth level</a:t>
             </a:r>
           </a:p>
           <a:p>
             <a:pPr lvl="4"/>
             <a:r>
-              <a:rPr lang="en-US" smtClean="0"/>
+              <a:rPr lang="en-US"/>
               <a:t>Fifth level</a:t>
             </a:r>
-            <a:endParaRPr lang="en-US"/>
           </a:p>
         </p:txBody>
       </p:sp>
@@ -919,7 +931,7 @@
           <a:p>
             <a:fld id="{E0708EE0-002E-9646-BC94-734BA4835CFF}" type="datetimeFigureOut">
               <a:rPr lang="en-US" smtClean="0"/>
-              <a:t>7/11/17</a:t>
+              <a:t>2/3/23</a:t>
             </a:fld>
             <a:endParaRPr lang="en-US"/>
           </a:p>
@@ -1018,10 +1030,9 @@
           <a:lstStyle/>
           <a:p>
             <a:r>
-              <a:rPr lang="en-US" smtClean="0"/>
+              <a:rPr lang="en-US"/>
               <a:t>Click to edit Master title style</a:t>
             </a:r>
-            <a:endParaRPr lang="en-US"/>
           </a:p>
         </p:txBody>
       </p:sp>
@@ -1047,38 +1058,37 @@
           <a:p>
             <a:pPr lvl="0"/>
             <a:r>
-              <a:rPr lang="en-US" smtClean="0"/>
+              <a:rPr lang="en-US"/>
               <a:t>Click to edit Master text styles</a:t>
             </a:r>
           </a:p>
           <a:p>
             <a:pPr lvl="1"/>
             <a:r>
-              <a:rPr lang="en-US" smtClean="0"/>
+              <a:rPr lang="en-US"/>
               <a:t>Second level</a:t>
             </a:r>
           </a:p>
           <a:p>
             <a:pPr lvl="2"/>
             <a:r>
-              <a:rPr lang="en-US" smtClean="0"/>
+              <a:rPr lang="en-US"/>
               <a:t>Third level</a:t>
             </a:r>
           </a:p>
           <a:p>
             <a:pPr lvl="3"/>
             <a:r>
-              <a:rPr lang="en-US" smtClean="0"/>
+              <a:rPr lang="en-US"/>
               <a:t>Fourth level</a:t>
             </a:r>
           </a:p>
           <a:p>
             <a:pPr lvl="4"/>
             <a:r>
-              <a:rPr lang="en-US" smtClean="0"/>
+              <a:rPr lang="en-US"/>
               <a:t>Fifth level</a:t>
             </a:r>
-            <a:endParaRPr lang="en-US"/>
           </a:p>
         </p:txBody>
       </p:sp>
@@ -1099,7 +1109,7 @@
           <a:p>
             <a:fld id="{E0708EE0-002E-9646-BC94-734BA4835CFF}" type="datetimeFigureOut">
               <a:rPr lang="en-US" smtClean="0"/>
-              <a:t>7/11/17</a:t>
+              <a:t>2/3/23</a:t>
             </a:fld>
             <a:endParaRPr lang="en-US"/>
           </a:p>
@@ -1193,10 +1203,9 @@
           <a:lstStyle/>
           <a:p>
             <a:r>
-              <a:rPr lang="en-US" smtClean="0"/>
+              <a:rPr lang="en-US"/>
               <a:t>Click to edit Master title style</a:t>
             </a:r>
-            <a:endParaRPr lang="en-US"/>
           </a:p>
         </p:txBody>
       </p:sp>
@@ -1217,38 +1226,37 @@
           <a:p>
             <a:pPr lvl="0"/>
             <a:r>
-              <a:rPr lang="en-US" smtClean="0"/>
+              <a:rPr lang="en-US"/>
               <a:t>Click to edit Master text styles</a:t>
             </a:r>
           </a:p>
           <a:p>
             <a:pPr lvl="1"/>
             <a:r>
-              <a:rPr lang="en-US" smtClean="0"/>
+              <a:rPr lang="en-US"/>
               <a:t>Second level</a:t>
             </a:r>
           </a:p>
           <a:p>
             <a:pPr lvl="2"/>
             <a:r>
-              <a:rPr lang="en-US" smtClean="0"/>
+              <a:rPr lang="en-US"/>
               <a:t>Third level</a:t>
             </a:r>
           </a:p>
           <a:p>
             <a:pPr lvl="3"/>
             <a:r>
-              <a:rPr lang="en-US" smtClean="0"/>
+              <a:rPr lang="en-US"/>
               <a:t>Fourth level</a:t>
             </a:r>
           </a:p>
           <a:p>
             <a:pPr lvl="4"/>
             <a:r>
-              <a:rPr lang="en-US" smtClean="0"/>
+              <a:rPr lang="en-US"/>
               <a:t>Fifth level</a:t>
             </a:r>
-            <a:endParaRPr lang="en-US"/>
           </a:p>
         </p:txBody>
       </p:sp>
@@ -1269,7 +1277,7 @@
           <a:p>
             <a:fld id="{E0708EE0-002E-9646-BC94-734BA4835CFF}" type="datetimeFigureOut">
               <a:rPr lang="en-US" smtClean="0"/>
-              <a:t>7/11/17</a:t>
+              <a:t>2/3/23</a:t>
             </a:fld>
             <a:endParaRPr lang="en-US"/>
           </a:p>
@@ -1372,10 +1380,9 @@
           </a:lstStyle>
           <a:p>
             <a:r>
-              <a:rPr lang="en-US" smtClean="0"/>
+              <a:rPr lang="en-US"/>
               <a:t>Click to edit Master title style</a:t>
             </a:r>
-            <a:endParaRPr lang="en-US"/>
           </a:p>
         </p:txBody>
       </p:sp>
@@ -1492,7 +1499,7 @@
           <a:p>
             <a:pPr lvl="0"/>
             <a:r>
-              <a:rPr lang="en-US" smtClean="0"/>
+              <a:rPr lang="en-US"/>
               <a:t>Click to edit Master text styles</a:t>
             </a:r>
           </a:p>
@@ -1515,7 +1522,7 @@
           <a:p>
             <a:fld id="{E0708EE0-002E-9646-BC94-734BA4835CFF}" type="datetimeFigureOut">
               <a:rPr lang="en-US" smtClean="0"/>
-              <a:t>7/11/17</a:t>
+              <a:t>2/3/23</a:t>
             </a:fld>
             <a:endParaRPr lang="en-US"/>
           </a:p>
@@ -1609,10 +1616,9 @@
           <a:lstStyle/>
           <a:p>
             <a:r>
-              <a:rPr lang="en-US" smtClean="0"/>
+              <a:rPr lang="en-US"/>
               <a:t>Click to edit Master title style</a:t>
             </a:r>
-            <a:endParaRPr lang="en-US"/>
           </a:p>
         </p:txBody>
       </p:sp>
@@ -1666,38 +1672,37 @@
           <a:p>
             <a:pPr lvl="0"/>
             <a:r>
-              <a:rPr lang="en-US" smtClean="0"/>
+              <a:rPr lang="en-US"/>
               <a:t>Click to edit Master text styles</a:t>
             </a:r>
           </a:p>
           <a:p>
             <a:pPr lvl="1"/>
             <a:r>
-              <a:rPr lang="en-US" smtClean="0"/>
+              <a:rPr lang="en-US"/>
               <a:t>Second level</a:t>
             </a:r>
           </a:p>
           <a:p>
             <a:pPr lvl="2"/>
             <a:r>
-              <a:rPr lang="en-US" smtClean="0"/>
+              <a:rPr lang="en-US"/>
               <a:t>Third level</a:t>
             </a:r>
           </a:p>
           <a:p>
             <a:pPr lvl="3"/>
             <a:r>
-              <a:rPr lang="en-US" smtClean="0"/>
+              <a:rPr lang="en-US"/>
               <a:t>Fourth level</a:t>
             </a:r>
           </a:p>
           <a:p>
             <a:pPr lvl="4"/>
             <a:r>
-              <a:rPr lang="en-US" smtClean="0"/>
+              <a:rPr lang="en-US"/>
               <a:t>Fifth level</a:t>
             </a:r>
-            <a:endParaRPr lang="en-US"/>
           </a:p>
         </p:txBody>
       </p:sp>
@@ -1751,38 +1756,37 @@
           <a:p>
             <a:pPr lvl="0"/>
             <a:r>
-              <a:rPr lang="en-US" smtClean="0"/>
+              <a:rPr lang="en-US"/>
               <a:t>Click to edit Master text styles</a:t>
             </a:r>
           </a:p>
           <a:p>
             <a:pPr lvl="1"/>
             <a:r>
-              <a:rPr lang="en-US" smtClean="0"/>
+              <a:rPr lang="en-US"/>
               <a:t>Second level</a:t>
             </a:r>
           </a:p>
           <a:p>
             <a:pPr lvl="2"/>
             <a:r>
-              <a:rPr lang="en-US" smtClean="0"/>
+              <a:rPr lang="en-US"/>
               <a:t>Third level</a:t>
             </a:r>
           </a:p>
           <a:p>
             <a:pPr lvl="3"/>
             <a:r>
-              <a:rPr lang="en-US" smtClean="0"/>
+              <a:rPr lang="en-US"/>
               <a:t>Fourth level</a:t>
             </a:r>
           </a:p>
           <a:p>
             <a:pPr lvl="4"/>
             <a:r>
-              <a:rPr lang="en-US" smtClean="0"/>
+              <a:rPr lang="en-US"/>
               <a:t>Fifth level</a:t>
             </a:r>
-            <a:endParaRPr lang="en-US"/>
           </a:p>
         </p:txBody>
       </p:sp>
@@ -1803,7 +1807,7 @@
           <a:p>
             <a:fld id="{E0708EE0-002E-9646-BC94-734BA4835CFF}" type="datetimeFigureOut">
               <a:rPr lang="en-US" smtClean="0"/>
-              <a:t>7/11/17</a:t>
+              <a:t>2/3/23</a:t>
             </a:fld>
             <a:endParaRPr lang="en-US"/>
           </a:p>
@@ -1901,10 +1905,9 @@
           </a:lstStyle>
           <a:p>
             <a:r>
-              <a:rPr lang="en-US" smtClean="0"/>
+              <a:rPr lang="en-US"/>
               <a:t>Click to edit Master title style</a:t>
             </a:r>
-            <a:endParaRPr lang="en-US"/>
           </a:p>
         </p:txBody>
       </p:sp>
@@ -1967,7 +1970,7 @@
           <a:p>
             <a:pPr lvl="0"/>
             <a:r>
-              <a:rPr lang="en-US" smtClean="0"/>
+              <a:rPr lang="en-US"/>
               <a:t>Click to edit Master text styles</a:t>
             </a:r>
           </a:p>
@@ -2023,38 +2026,37 @@
           <a:p>
             <a:pPr lvl="0"/>
             <a:r>
-              <a:rPr lang="en-US" smtClean="0"/>
+              <a:rPr lang="en-US"/>
               <a:t>Click to edit Master text styles</a:t>
             </a:r>
           </a:p>
           <a:p>
             <a:pPr lvl="1"/>
             <a:r>
-              <a:rPr lang="en-US" smtClean="0"/>
+              <a:rPr lang="en-US"/>
               <a:t>Second level</a:t>
             </a:r>
           </a:p>
           <a:p>
             <a:pPr lvl="2"/>
             <a:r>
-              <a:rPr lang="en-US" smtClean="0"/>
+              <a:rPr lang="en-US"/>
               <a:t>Third level</a:t>
             </a:r>
           </a:p>
           <a:p>
             <a:pPr lvl="3"/>
             <a:r>
-              <a:rPr lang="en-US" smtClean="0"/>
+              <a:rPr lang="en-US"/>
               <a:t>Fourth level</a:t>
             </a:r>
           </a:p>
           <a:p>
             <a:pPr lvl="4"/>
             <a:r>
-              <a:rPr lang="en-US" smtClean="0"/>
+              <a:rPr lang="en-US"/>
               <a:t>Fifth level</a:t>
             </a:r>
-            <a:endParaRPr lang="en-US"/>
           </a:p>
         </p:txBody>
       </p:sp>
@@ -2117,7 +2119,7 @@
           <a:p>
             <a:pPr lvl="0"/>
             <a:r>
-              <a:rPr lang="en-US" smtClean="0"/>
+              <a:rPr lang="en-US"/>
               <a:t>Click to edit Master text styles</a:t>
             </a:r>
           </a:p>
@@ -2173,38 +2175,37 @@
           <a:p>
             <a:pPr lvl="0"/>
             <a:r>
-              <a:rPr lang="en-US" smtClean="0"/>
+              <a:rPr lang="en-US"/>
               <a:t>Click to edit Master text styles</a:t>
             </a:r>
           </a:p>
           <a:p>
             <a:pPr lvl="1"/>
             <a:r>
-              <a:rPr lang="en-US" smtClean="0"/>
+              <a:rPr lang="en-US"/>
               <a:t>Second level</a:t>
             </a:r>
           </a:p>
           <a:p>
             <a:pPr lvl="2"/>
             <a:r>
-              <a:rPr lang="en-US" smtClean="0"/>
+              <a:rPr lang="en-US"/>
               <a:t>Third level</a:t>
             </a:r>
           </a:p>
           <a:p>
             <a:pPr lvl="3"/>
             <a:r>
-              <a:rPr lang="en-US" smtClean="0"/>
+              <a:rPr lang="en-US"/>
               <a:t>Fourth level</a:t>
             </a:r>
           </a:p>
           <a:p>
             <a:pPr lvl="4"/>
             <a:r>
-              <a:rPr lang="en-US" smtClean="0"/>
+              <a:rPr lang="en-US"/>
               <a:t>Fifth level</a:t>
             </a:r>
-            <a:endParaRPr lang="en-US"/>
           </a:p>
         </p:txBody>
       </p:sp>
@@ -2225,7 +2226,7 @@
           <a:p>
             <a:fld id="{E0708EE0-002E-9646-BC94-734BA4835CFF}" type="datetimeFigureOut">
               <a:rPr lang="en-US" smtClean="0"/>
-              <a:t>7/11/17</a:t>
+              <a:t>2/3/23</a:t>
             </a:fld>
             <a:endParaRPr lang="en-US"/>
           </a:p>
@@ -2319,10 +2320,9 @@
           <a:lstStyle/>
           <a:p>
             <a:r>
-              <a:rPr lang="en-US" smtClean="0"/>
+              <a:rPr lang="en-US"/>
               <a:t>Click to edit Master title style</a:t>
             </a:r>
-            <a:endParaRPr lang="en-US"/>
           </a:p>
         </p:txBody>
       </p:sp>
@@ -2343,7 +2343,7 @@
           <a:p>
             <a:fld id="{E0708EE0-002E-9646-BC94-734BA4835CFF}" type="datetimeFigureOut">
               <a:rPr lang="en-US" smtClean="0"/>
-              <a:t>7/11/17</a:t>
+              <a:t>2/3/23</a:t>
             </a:fld>
             <a:endParaRPr lang="en-US"/>
           </a:p>
@@ -2438,7 +2438,7 @@
           <a:p>
             <a:fld id="{E0708EE0-002E-9646-BC94-734BA4835CFF}" type="datetimeFigureOut">
               <a:rPr lang="en-US" smtClean="0"/>
-              <a:t>7/11/17</a:t>
+              <a:t>2/3/23</a:t>
             </a:fld>
             <a:endParaRPr lang="en-US"/>
           </a:p>
@@ -2541,10 +2541,9 @@
           </a:lstStyle>
           <a:p>
             <a:r>
-              <a:rPr lang="en-US" smtClean="0"/>
+              <a:rPr lang="en-US"/>
               <a:t>Click to edit Master title style</a:t>
             </a:r>
-            <a:endParaRPr lang="en-US"/>
           </a:p>
         </p:txBody>
       </p:sp>
@@ -2598,38 +2597,37 @@
           <a:p>
             <a:pPr lvl="0"/>
             <a:r>
-              <a:rPr lang="en-US" smtClean="0"/>
+              <a:rPr lang="en-US"/>
               <a:t>Click to edit Master text styles</a:t>
             </a:r>
           </a:p>
           <a:p>
             <a:pPr lvl="1"/>
             <a:r>
-              <a:rPr lang="en-US" smtClean="0"/>
+              <a:rPr lang="en-US"/>
               <a:t>Second level</a:t>
             </a:r>
           </a:p>
           <a:p>
             <a:pPr lvl="2"/>
             <a:r>
-              <a:rPr lang="en-US" smtClean="0"/>
+              <a:rPr lang="en-US"/>
               <a:t>Third level</a:t>
             </a:r>
           </a:p>
           <a:p>
             <a:pPr lvl="3"/>
             <a:r>
-              <a:rPr lang="en-US" smtClean="0"/>
+              <a:rPr lang="en-US"/>
               <a:t>Fourth level</a:t>
             </a:r>
           </a:p>
           <a:p>
             <a:pPr lvl="4"/>
             <a:r>
-              <a:rPr lang="en-US" smtClean="0"/>
+              <a:rPr lang="en-US"/>
               <a:t>Fifth level</a:t>
             </a:r>
-            <a:endParaRPr lang="en-US"/>
           </a:p>
         </p:txBody>
       </p:sp>
@@ -2692,7 +2690,7 @@
           <a:p>
             <a:pPr lvl="0"/>
             <a:r>
-              <a:rPr lang="en-US" smtClean="0"/>
+              <a:rPr lang="en-US"/>
               <a:t>Click to edit Master text styles</a:t>
             </a:r>
           </a:p>
@@ -2715,7 +2713,7 @@
           <a:p>
             <a:fld id="{E0708EE0-002E-9646-BC94-734BA4835CFF}" type="datetimeFigureOut">
               <a:rPr lang="en-US" smtClean="0"/>
-              <a:t>7/11/17</a:t>
+              <a:t>2/3/23</a:t>
             </a:fld>
             <a:endParaRPr lang="en-US"/>
           </a:p>
@@ -2818,10 +2816,9 @@
           </a:lstStyle>
           <a:p>
             <a:r>
-              <a:rPr lang="en-US" smtClean="0"/>
+              <a:rPr lang="en-US"/>
               <a:t>Click to edit Master title style</a:t>
             </a:r>
-            <a:endParaRPr lang="en-US"/>
           </a:p>
         </p:txBody>
       </p:sp>
@@ -2945,7 +2942,7 @@
           <a:p>
             <a:pPr lvl="0"/>
             <a:r>
-              <a:rPr lang="en-US" smtClean="0"/>
+              <a:rPr lang="en-US"/>
               <a:t>Click to edit Master text styles</a:t>
             </a:r>
           </a:p>
@@ -2968,7 +2965,7 @@
           <a:p>
             <a:fld id="{E0708EE0-002E-9646-BC94-734BA4835CFF}" type="datetimeFigureOut">
               <a:rPr lang="en-US" smtClean="0"/>
-              <a:t>7/11/17</a:t>
+              <a:t>2/3/23</a:t>
             </a:fld>
             <a:endParaRPr lang="en-US"/>
           </a:p>
@@ -3077,10 +3074,9 @@
           <a:lstStyle/>
           <a:p>
             <a:r>
-              <a:rPr lang="en-US" smtClean="0"/>
+              <a:rPr lang="en-US"/>
               <a:t>Click to edit Master title style</a:t>
             </a:r>
-            <a:endParaRPr lang="en-US"/>
           </a:p>
         </p:txBody>
       </p:sp>
@@ -3111,38 +3107,37 @@
           <a:p>
             <a:pPr lvl="0"/>
             <a:r>
-              <a:rPr lang="en-US" smtClean="0"/>
+              <a:rPr lang="en-US"/>
               <a:t>Click to edit Master text styles</a:t>
             </a:r>
           </a:p>
           <a:p>
             <a:pPr lvl="1"/>
             <a:r>
-              <a:rPr lang="en-US" smtClean="0"/>
+              <a:rPr lang="en-US"/>
               <a:t>Second level</a:t>
             </a:r>
           </a:p>
           <a:p>
             <a:pPr lvl="2"/>
             <a:r>
-              <a:rPr lang="en-US" smtClean="0"/>
+              <a:rPr lang="en-US"/>
               <a:t>Third level</a:t>
             </a:r>
           </a:p>
           <a:p>
             <a:pPr lvl="3"/>
             <a:r>
-              <a:rPr lang="en-US" smtClean="0"/>
+              <a:rPr lang="en-US"/>
               <a:t>Fourth level</a:t>
             </a:r>
           </a:p>
           <a:p>
             <a:pPr lvl="4"/>
             <a:r>
-              <a:rPr lang="en-US" smtClean="0"/>
+              <a:rPr lang="en-US"/>
               <a:t>Fifth level</a:t>
             </a:r>
-            <a:endParaRPr lang="en-US"/>
           </a:p>
         </p:txBody>
       </p:sp>
@@ -3181,7 +3176,7 @@
           <a:p>
             <a:fld id="{E0708EE0-002E-9646-BC94-734BA4835CFF}" type="datetimeFigureOut">
               <a:rPr lang="en-US" smtClean="0"/>
-              <a:t>7/11/17</a:t>
+              <a:t>2/3/23</a:t>
             </a:fld>
             <a:endParaRPr lang="en-US"/>
           </a:p>
@@ -3572,10 +3567,9 @@
           <a:lstStyle/>
           <a:p>
             <a:r>
-              <a:rPr lang="en-US" dirty="0" smtClean="0"/>
+              <a:rPr lang="en-US" dirty="0"/>
               <a:t>GODIVA Simulink Building Blocks</a:t>
             </a:r>
-            <a:endParaRPr lang="en-US" dirty="0"/>
           </a:p>
         </p:txBody>
       </p:sp>
@@ -3589,13 +3583,6 @@
   <p:clrMapOvr>
     <a:masterClrMapping/>
   </p:clrMapOvr>
-  <p:timing>
-    <p:tnLst>
-      <p:par>
-        <p:cTn xmlns:p14="http://schemas.microsoft.com/office/powerpoint/2010/main" id="1" dur="indefinite" restart="never" nodeType="tmRoot"/>
-      </p:par>
-    </p:tnLst>
-  </p:timing>
 </p:sld>
 </file>
 
@@ -3687,18 +3674,13 @@
           <a:p>
             <a:pPr algn="ctr"/>
             <a:r>
-              <a:rPr lang="en-US" sz="2000" b="1" dirty="0" smtClean="0">
+              <a:rPr lang="en-US" sz="2000" b="1" dirty="0">
                 <a:solidFill>
                   <a:schemeClr val="tx1"/>
                 </a:solidFill>
               </a:rPr>
               <a:t>Plan  cells</a:t>
             </a:r>
-            <a:endParaRPr lang="en-US" sz="2000" b="1" dirty="0">
-              <a:solidFill>
-                <a:schemeClr val="tx1"/>
-              </a:solidFill>
-            </a:endParaRPr>
           </a:p>
         </p:txBody>
       </p:sp>
@@ -3742,18 +3724,13 @@
           <a:p>
             <a:pPr algn="ctr"/>
             <a:r>
-              <a:rPr lang="en-US" sz="2000" b="1" dirty="0" smtClean="0">
+              <a:rPr lang="en-US" sz="2000" b="1" dirty="0">
                 <a:solidFill>
                   <a:schemeClr val="tx1"/>
                 </a:solidFill>
               </a:rPr>
               <a:t>Choice  cells</a:t>
             </a:r>
-            <a:endParaRPr lang="en-US" sz="2000" b="1" dirty="0">
-              <a:solidFill>
-                <a:schemeClr val="tx1"/>
-              </a:solidFill>
-            </a:endParaRPr>
           </a:p>
         </p:txBody>
       </p:sp>
@@ -3975,11 +3952,11 @@
           <a:lstStyle/>
           <a:p>
             <a:r>
-              <a:rPr lang="en-US" b="1" dirty="0" smtClean="0"/>
+              <a:rPr lang="en-US" b="1" dirty="0"/>
               <a:t>Main building block in </a:t>
             </a:r>
             <a:r>
-              <a:rPr lang="en-US" b="1" dirty="0" err="1" smtClean="0"/>
+              <a:rPr lang="en-US" b="1" dirty="0" err="1"/>
               <a:t>goDIVA</a:t>
             </a:r>
             <a:endParaRPr lang="en-US" b="1" dirty="0"/>
@@ -4009,7 +3986,7 @@
           <a:lstStyle/>
           <a:p>
             <a:r>
-              <a:rPr lang="en-US" dirty="0" smtClean="0"/>
+              <a:rPr lang="en-US" dirty="0"/>
               <a:t>Behavior: Plan cells keep copy of input pattern. Choice cells select cell with highest activation</a:t>
             </a:r>
           </a:p>
@@ -4018,10 +3995,9 @@
           </a:p>
           <a:p>
             <a:r>
-              <a:rPr lang="en-US" i="1" dirty="0" smtClean="0"/>
+              <a:rPr lang="en-US" i="1" dirty="0"/>
               <a:t>e.g. Speech Sound Map</a:t>
             </a:r>
-            <a:endParaRPr lang="en-US" i="1" dirty="0"/>
           </a:p>
         </p:txBody>
       </p:sp>
@@ -4048,10 +4024,9 @@
           <a:lstStyle/>
           <a:p>
             <a:r>
-              <a:rPr lang="en-US" i="1" dirty="0" smtClean="0"/>
+              <a:rPr lang="en-US" i="1" dirty="0"/>
               <a:t>input</a:t>
             </a:r>
-            <a:endParaRPr lang="en-US" i="1" dirty="0"/>
           </a:p>
         </p:txBody>
       </p:sp>
@@ -4078,10 +4053,9 @@
           <a:lstStyle/>
           <a:p>
             <a:r>
-              <a:rPr lang="en-US" i="1" dirty="0" smtClean="0"/>
+              <a:rPr lang="en-US" i="1" dirty="0"/>
               <a:t>output</a:t>
             </a:r>
-            <a:endParaRPr lang="en-US" i="1" dirty="0"/>
           </a:p>
         </p:txBody>
       </p:sp>
@@ -4186,18 +4160,13 @@
           <a:p>
             <a:pPr algn="ctr"/>
             <a:r>
-              <a:rPr lang="en-US" sz="2000" b="1" dirty="0" smtClean="0">
+              <a:rPr lang="en-US" sz="2000" b="1" dirty="0">
                 <a:solidFill>
                   <a:schemeClr val="tx1"/>
                 </a:solidFill>
               </a:rPr>
               <a:t>Plan  cells</a:t>
             </a:r>
-            <a:endParaRPr lang="en-US" sz="2000" b="1" dirty="0">
-              <a:solidFill>
-                <a:schemeClr val="tx1"/>
-              </a:solidFill>
-            </a:endParaRPr>
           </a:p>
         </p:txBody>
       </p:sp>
@@ -4241,18 +4210,13 @@
           <a:p>
             <a:pPr algn="ctr"/>
             <a:r>
-              <a:rPr lang="en-US" sz="2000" b="1" dirty="0" smtClean="0">
+              <a:rPr lang="en-US" sz="2000" b="1" dirty="0">
                 <a:solidFill>
                   <a:schemeClr val="tx1"/>
                 </a:solidFill>
               </a:rPr>
               <a:t>Choice  cells</a:t>
             </a:r>
-            <a:endParaRPr lang="en-US" sz="2000" b="1" dirty="0">
-              <a:solidFill>
-                <a:schemeClr val="tx1"/>
-              </a:solidFill>
-            </a:endParaRPr>
           </a:p>
         </p:txBody>
       </p:sp>
@@ -4565,11 +4529,11 @@
           <a:lstStyle/>
           <a:p>
             <a:r>
-              <a:rPr lang="en-US" b="1" dirty="0" smtClean="0"/>
+              <a:rPr lang="en-US" b="1" dirty="0"/>
               <a:t>Main building block in </a:t>
             </a:r>
             <a:r>
-              <a:rPr lang="en-US" b="1" dirty="0" err="1" smtClean="0"/>
+              <a:rPr lang="en-US" b="1" dirty="0" err="1"/>
               <a:t>goDIVA</a:t>
             </a:r>
             <a:endParaRPr lang="en-US" b="1" dirty="0"/>
@@ -4599,26 +4563,9 @@
           <a:lstStyle/>
           <a:p>
             <a:r>
-              <a:rPr lang="en-US" dirty="0" smtClean="0"/>
-              <a:t>Behavior: When choice cells select cell with highest activation, that cell is inhibited/deleted in the original </a:t>
-            </a:r>
-            <a:r>
-              <a:rPr lang="en-US" dirty="0" smtClean="0"/>
-              <a:t>Plan cells </a:t>
-            </a:r>
-            <a:r>
-              <a:rPr lang="en-US" dirty="0" smtClean="0"/>
-              <a:t>pattern. Then the choice cells would select the cell with second-highest (now highest) activation, and this process would repeat, sequentially selecting and </a:t>
-            </a:r>
-            <a:r>
-              <a:rPr lang="en-US" dirty="0" smtClean="0"/>
-              <a:t>“deleting” </a:t>
-            </a:r>
-            <a:r>
-              <a:rPr lang="en-US" dirty="0" smtClean="0"/>
-              <a:t>the next highest activation until all cells are inactive</a:t>
-            </a:r>
-            <a:endParaRPr lang="en-US" dirty="0"/>
+              <a:rPr lang="en-US" dirty="0"/>
+              <a:t>Behavior: When choice cells select cell with highest activation, that cell is inhibited/deleted in the original Plan cells pattern. Then the choice cells would select the cell with second-highest (now highest) activation, and this process would repeat, sequentially selecting and “deleting” the next highest activation until all cells are inactive</a:t>
+            </a:r>
           </a:p>
         </p:txBody>
       </p:sp>
@@ -4645,10 +4592,9 @@
           <a:lstStyle/>
           <a:p>
             <a:r>
-              <a:rPr lang="en-US" i="1" dirty="0" smtClean="0"/>
+              <a:rPr lang="en-US" i="1" dirty="0"/>
               <a:t>input</a:t>
             </a:r>
-            <a:endParaRPr lang="en-US" i="1" dirty="0"/>
           </a:p>
         </p:txBody>
       </p:sp>
@@ -4675,10 +4621,9 @@
           <a:lstStyle/>
           <a:p>
             <a:r>
-              <a:rPr lang="en-US" i="1" dirty="0" smtClean="0"/>
+              <a:rPr lang="en-US" i="1" dirty="0"/>
               <a:t>output</a:t>
             </a:r>
-            <a:endParaRPr lang="en-US" i="1" dirty="0"/>
           </a:p>
         </p:txBody>
       </p:sp>
@@ -4827,18 +4772,13 @@
           <a:p>
             <a:pPr algn="ctr"/>
             <a:r>
-              <a:rPr lang="en-US" sz="2000" b="1" dirty="0" smtClean="0">
+              <a:rPr lang="en-US" sz="2000" b="1" dirty="0">
                 <a:solidFill>
                   <a:schemeClr val="tx1"/>
                 </a:solidFill>
               </a:rPr>
               <a:t>Plan  cells</a:t>
             </a:r>
-            <a:endParaRPr lang="en-US" sz="2000" b="1" dirty="0">
-              <a:solidFill>
-                <a:schemeClr val="tx1"/>
-              </a:solidFill>
-            </a:endParaRPr>
           </a:p>
         </p:txBody>
       </p:sp>
@@ -4882,18 +4822,13 @@
           <a:p>
             <a:pPr algn="ctr"/>
             <a:r>
-              <a:rPr lang="en-US" sz="2000" b="1" dirty="0" smtClean="0">
+              <a:rPr lang="en-US" sz="2000" b="1" dirty="0">
                 <a:solidFill>
                   <a:schemeClr val="tx1"/>
                 </a:solidFill>
               </a:rPr>
               <a:t>Choice  cells</a:t>
             </a:r>
-            <a:endParaRPr lang="en-US" sz="2000" b="1" dirty="0">
-              <a:solidFill>
-                <a:schemeClr val="tx1"/>
-              </a:solidFill>
-            </a:endParaRPr>
           </a:p>
         </p:txBody>
       </p:sp>
@@ -5206,11 +5141,11 @@
           <a:lstStyle/>
           <a:p>
             <a:r>
-              <a:rPr lang="en-US" b="1" dirty="0" smtClean="0"/>
+              <a:rPr lang="en-US" b="1" dirty="0"/>
               <a:t>Main building block in </a:t>
             </a:r>
             <a:r>
-              <a:rPr lang="en-US" b="1" dirty="0" err="1" smtClean="0"/>
+              <a:rPr lang="en-US" b="1" dirty="0" err="1"/>
               <a:t>goDIVA</a:t>
             </a:r>
             <a:endParaRPr lang="en-US" b="1" dirty="0"/>
@@ -5240,26 +5175,17 @@
           <a:lstStyle/>
           <a:p>
             <a:r>
-              <a:rPr lang="en-US" dirty="0" smtClean="0"/>
-              <a:t>Behavior: When choice cells select cell with highest activation, that cell is inhibited/deleted in the original </a:t>
-            </a:r>
-            <a:r>
-              <a:rPr lang="en-US" dirty="0" smtClean="0"/>
-              <a:t>Plan cells </a:t>
-            </a:r>
-            <a:r>
-              <a:rPr lang="en-US" dirty="0" smtClean="0"/>
-              <a:t>pattern. But now choice cells activation will not change unless </a:t>
-            </a:r>
-            <a:r>
-              <a:rPr lang="en-US" i="1" dirty="0" smtClean="0"/>
+              <a:rPr lang="en-US" dirty="0"/>
+              <a:t>Behavior: When choice cells select cell with highest activation, that cell is inhibited/deleted in the original Plan cells pattern. But now choice cells activation will not change unless </a:t>
+            </a:r>
+            <a:r>
+              <a:rPr lang="en-US" i="1" dirty="0"/>
               <a:t>gate</a:t>
             </a:r>
             <a:r>
-              <a:rPr lang="en-US" dirty="0" smtClean="0"/>
+              <a:rPr lang="en-US" dirty="0"/>
               <a:t> signal is received (this allows control timing of sequence read-out)</a:t>
             </a:r>
-            <a:endParaRPr lang="en-US" dirty="0"/>
           </a:p>
         </p:txBody>
       </p:sp>
@@ -5399,10 +5325,9 @@
           <a:lstStyle/>
           <a:p>
             <a:r>
-              <a:rPr lang="en-US" i="1" dirty="0" smtClean="0"/>
+              <a:rPr lang="en-US" i="1" dirty="0"/>
               <a:t>gate</a:t>
             </a:r>
-            <a:endParaRPr lang="en-US" i="1" dirty="0"/>
           </a:p>
         </p:txBody>
       </p:sp>
@@ -5429,10 +5354,9 @@
           <a:lstStyle/>
           <a:p>
             <a:r>
-              <a:rPr lang="en-US" i="1" dirty="0" smtClean="0"/>
+              <a:rPr lang="en-US" i="1" dirty="0"/>
               <a:t>input</a:t>
             </a:r>
-            <a:endParaRPr lang="en-US" i="1" dirty="0"/>
           </a:p>
         </p:txBody>
       </p:sp>
@@ -5459,10 +5383,9 @@
           <a:lstStyle/>
           <a:p>
             <a:r>
-              <a:rPr lang="en-US" i="1" dirty="0" smtClean="0"/>
+              <a:rPr lang="en-US" i="1" dirty="0"/>
               <a:t>output</a:t>
             </a:r>
-            <a:endParaRPr lang="en-US" i="1" dirty="0"/>
           </a:p>
         </p:txBody>
       </p:sp>
@@ -5611,18 +5534,13 @@
           <a:p>
             <a:pPr algn="ctr"/>
             <a:r>
-              <a:rPr lang="en-US" sz="2000" b="1" dirty="0" smtClean="0">
+              <a:rPr lang="en-US" sz="2000" b="1" dirty="0">
                 <a:solidFill>
                   <a:schemeClr val="tx1"/>
                 </a:solidFill>
               </a:rPr>
               <a:t>Plan  cells</a:t>
             </a:r>
-            <a:endParaRPr lang="en-US" sz="2000" b="1" dirty="0">
-              <a:solidFill>
-                <a:schemeClr val="tx1"/>
-              </a:solidFill>
-            </a:endParaRPr>
           </a:p>
         </p:txBody>
       </p:sp>
@@ -5666,18 +5584,13 @@
           <a:p>
             <a:pPr algn="ctr"/>
             <a:r>
-              <a:rPr lang="en-US" sz="2000" b="1" dirty="0" smtClean="0">
+              <a:rPr lang="en-US" sz="2000" b="1" dirty="0">
                 <a:solidFill>
                   <a:schemeClr val="tx1"/>
                 </a:solidFill>
               </a:rPr>
               <a:t>Choice  cells</a:t>
             </a:r>
-            <a:endParaRPr lang="en-US" sz="2000" b="1" dirty="0">
-              <a:solidFill>
-                <a:schemeClr val="tx1"/>
-              </a:solidFill>
-            </a:endParaRPr>
           </a:p>
         </p:txBody>
       </p:sp>
@@ -6210,11 +6123,11 @@
           <a:lstStyle/>
           <a:p>
             <a:r>
-              <a:rPr lang="en-US" b="1" dirty="0" smtClean="0"/>
+              <a:rPr lang="en-US" b="1" dirty="0"/>
               <a:t>Main building block in </a:t>
             </a:r>
             <a:r>
-              <a:rPr lang="en-US" b="1" dirty="0" err="1" smtClean="0"/>
+              <a:rPr lang="en-US" b="1" dirty="0" err="1"/>
               <a:t>goDIVA</a:t>
             </a:r>
             <a:endParaRPr lang="en-US" b="1" dirty="0"/>
@@ -6244,34 +6157,17 @@
           <a:lstStyle/>
           <a:p>
             <a:r>
-              <a:rPr lang="en-US" dirty="0" smtClean="0"/>
-              <a:t>Behavior: feedback </a:t>
-            </a:r>
-            <a:r>
-              <a:rPr lang="en-US" dirty="0" smtClean="0"/>
-              <a:t>from other layers can </a:t>
-            </a:r>
-            <a:r>
-              <a:rPr lang="en-US" dirty="0" smtClean="0"/>
-              <a:t>now directly modulate </a:t>
-            </a:r>
-            <a:r>
-              <a:rPr lang="en-US" dirty="0" smtClean="0"/>
-              <a:t>choice cell activation </a:t>
-            </a:r>
-            <a:r>
-              <a:rPr lang="en-US" dirty="0" smtClean="0"/>
-              <a:t>(e.g. </a:t>
-            </a:r>
-            <a:r>
-              <a:rPr lang="en-US" dirty="0" err="1" smtClean="0"/>
+              <a:rPr lang="en-US" dirty="0"/>
+              <a:t>Behavior: feedback from other layers can now directly modulate choice cell activation (e.g. </a:t>
+            </a:r>
+            <a:r>
+              <a:rPr lang="en-US" dirty="0" err="1"/>
               <a:t>goDIVA</a:t>
             </a:r>
             <a:r>
-              <a:rPr lang="en-US" dirty="0" smtClean="0"/>
+              <a:rPr lang="en-US" dirty="0"/>
               <a:t> uses this for sequential read-out of stack of choice cells in phonological representation)</a:t>
             </a:r>
-            <a:endParaRPr lang="en-US" dirty="0" smtClean="0"/>
           </a:p>
           <a:p>
             <a:pPr>
@@ -6280,10 +6176,9 @@
               </a:lnSpc>
             </a:pPr>
             <a:r>
-              <a:rPr lang="en-US" i="1" dirty="0" smtClean="0"/>
+              <a:rPr lang="en-US" i="1" dirty="0"/>
               <a:t>e.g. phonological representation</a:t>
             </a:r>
-            <a:endParaRPr lang="en-US" i="1" dirty="0"/>
           </a:p>
         </p:txBody>
       </p:sp>
@@ -6310,10 +6205,9 @@
           <a:lstStyle/>
           <a:p>
             <a:r>
-              <a:rPr lang="en-US" i="1" dirty="0" smtClean="0"/>
+              <a:rPr lang="en-US" i="1" dirty="0"/>
               <a:t>gate</a:t>
             </a:r>
-            <a:endParaRPr lang="en-US" i="1" dirty="0"/>
           </a:p>
         </p:txBody>
       </p:sp>
@@ -6340,10 +6234,9 @@
           <a:lstStyle/>
           <a:p>
             <a:r>
-              <a:rPr lang="en-US" i="1" dirty="0" smtClean="0"/>
+              <a:rPr lang="en-US" i="1" dirty="0"/>
               <a:t>inhibition</a:t>
             </a:r>
-            <a:endParaRPr lang="en-US" i="1" dirty="0"/>
           </a:p>
         </p:txBody>
       </p:sp>
@@ -6370,10 +6263,9 @@
           <a:lstStyle/>
           <a:p>
             <a:r>
-              <a:rPr lang="en-US" i="1" dirty="0" smtClean="0"/>
+              <a:rPr lang="en-US" i="1" dirty="0"/>
               <a:t>input</a:t>
             </a:r>
-            <a:endParaRPr lang="en-US" i="1" dirty="0"/>
           </a:p>
         </p:txBody>
       </p:sp>
@@ -6400,10 +6292,9 @@
           <a:lstStyle/>
           <a:p>
             <a:r>
-              <a:rPr lang="en-US" i="1" dirty="0" smtClean="0"/>
+              <a:rPr lang="en-US" i="1" dirty="0"/>
               <a:t>output</a:t>
             </a:r>
-            <a:endParaRPr lang="en-US" i="1" dirty="0"/>
           </a:p>
         </p:txBody>
       </p:sp>
@@ -6552,18 +6443,13 @@
           <a:p>
             <a:pPr algn="ctr"/>
             <a:r>
-              <a:rPr lang="en-US" sz="2000" b="1" dirty="0" smtClean="0">
+              <a:rPr lang="en-US" sz="2000" b="1" dirty="0">
                 <a:solidFill>
                   <a:schemeClr val="tx1"/>
                 </a:solidFill>
               </a:rPr>
               <a:t>Plan  cells</a:t>
             </a:r>
-            <a:endParaRPr lang="en-US" sz="2000" b="1" dirty="0">
-              <a:solidFill>
-                <a:schemeClr val="tx1"/>
-              </a:solidFill>
-            </a:endParaRPr>
           </a:p>
         </p:txBody>
       </p:sp>
@@ -6607,18 +6493,13 @@
           <a:p>
             <a:pPr algn="ctr"/>
             <a:r>
-              <a:rPr lang="en-US" sz="2000" b="1" dirty="0" smtClean="0">
+              <a:rPr lang="en-US" sz="2000" b="1" dirty="0">
                 <a:solidFill>
                   <a:schemeClr val="tx1"/>
                 </a:solidFill>
               </a:rPr>
               <a:t>Choice  cells</a:t>
             </a:r>
-            <a:endParaRPr lang="en-US" sz="2000" b="1" dirty="0">
-              <a:solidFill>
-                <a:schemeClr val="tx1"/>
-              </a:solidFill>
-            </a:endParaRPr>
           </a:p>
         </p:txBody>
       </p:sp>
@@ -7151,11 +7032,11 @@
           <a:lstStyle/>
           <a:p>
             <a:r>
-              <a:rPr lang="en-US" b="1" dirty="0" smtClean="0"/>
+              <a:rPr lang="en-US" b="1" dirty="0"/>
               <a:t>Main building block in </a:t>
             </a:r>
             <a:r>
-              <a:rPr lang="en-US" b="1" dirty="0" err="1" smtClean="0"/>
+              <a:rPr lang="en-US" b="1" dirty="0" err="1"/>
               <a:t>goDIVA</a:t>
             </a:r>
             <a:endParaRPr lang="en-US" b="1" dirty="0"/>
@@ -7321,44 +7202,26 @@
           <a:lstStyle/>
           <a:p>
             <a:r>
-              <a:rPr lang="en-US" dirty="0" smtClean="0"/>
-              <a:t>Behavior: </a:t>
-            </a:r>
-            <a:r>
-              <a:rPr lang="en-US" dirty="0" smtClean="0"/>
-              <a:t>additional </a:t>
-            </a:r>
-            <a:r>
-              <a:rPr lang="en-US" dirty="0" smtClean="0"/>
-              <a:t>control of timing of sequence read-out. Choice cells activation will not change unless </a:t>
-            </a:r>
-            <a:r>
-              <a:rPr lang="en-US" i="1" dirty="0" smtClean="0"/>
+              <a:rPr lang="en-US" dirty="0"/>
+              <a:t>Behavior: additional control of timing of sequence read-out. Choice cells activation will not change unless </a:t>
+            </a:r>
+            <a:r>
+              <a:rPr lang="en-US" i="1" dirty="0"/>
               <a:t>gate</a:t>
             </a:r>
             <a:r>
-              <a:rPr lang="en-US" dirty="0" smtClean="0"/>
-              <a:t> signal is received AND output is explicitly </a:t>
-            </a:r>
-            <a:r>
-              <a:rPr lang="en-US" dirty="0" smtClean="0"/>
-              <a:t>inhibited or cells are already inactive; </a:t>
-            </a:r>
-            <a:endParaRPr lang="en-US" dirty="0"/>
-          </a:p>
-          <a:p>
-            <a:endParaRPr lang="en-US" i="1" dirty="0" smtClean="0"/>
+              <a:rPr lang="en-US" dirty="0"/>
+              <a:t> signal is received AND output is explicitly inhibited or cells are already inactive; </a:t>
+            </a:r>
+          </a:p>
+          <a:p>
+            <a:endParaRPr lang="en-US" i="1" dirty="0"/>
           </a:p>
           <a:p>
             <a:r>
               <a:rPr lang="en-US" i="1" dirty="0"/>
-              <a:t>e.g. </a:t>
-            </a:r>
-            <a:r>
-              <a:rPr lang="en-US" i="1" dirty="0" smtClean="0"/>
-              <a:t>frame representation</a:t>
-            </a:r>
-            <a:endParaRPr lang="en-US" i="1" dirty="0"/>
+              <a:t>e.g. frame representation</a:t>
+            </a:r>
           </a:p>
         </p:txBody>
       </p:sp>
@@ -7385,10 +7248,9 @@
           <a:lstStyle/>
           <a:p>
             <a:r>
-              <a:rPr lang="en-US" i="1" dirty="0" smtClean="0"/>
+              <a:rPr lang="en-US" i="1" dirty="0"/>
               <a:t>gate</a:t>
             </a:r>
-            <a:endParaRPr lang="en-US" i="1" dirty="0"/>
           </a:p>
         </p:txBody>
       </p:sp>
@@ -7415,10 +7277,9 @@
           <a:lstStyle/>
           <a:p>
             <a:r>
-              <a:rPr lang="en-US" i="1" dirty="0" smtClean="0"/>
+              <a:rPr lang="en-US" i="1" dirty="0"/>
               <a:t>inhibition</a:t>
             </a:r>
-            <a:endParaRPr lang="en-US" i="1" dirty="0"/>
           </a:p>
         </p:txBody>
       </p:sp>
@@ -7445,10 +7306,9 @@
           <a:lstStyle/>
           <a:p>
             <a:r>
-              <a:rPr lang="en-US" i="1" dirty="0" smtClean="0"/>
+              <a:rPr lang="en-US" i="1" dirty="0"/>
               <a:t>input</a:t>
             </a:r>
-            <a:endParaRPr lang="en-US" i="1" dirty="0"/>
           </a:p>
         </p:txBody>
       </p:sp>
@@ -7475,10 +7335,9 @@
           <a:lstStyle/>
           <a:p>
             <a:r>
-              <a:rPr lang="en-US" i="1" dirty="0" smtClean="0"/>
+              <a:rPr lang="en-US" i="1" dirty="0"/>
               <a:t>output</a:t>
             </a:r>
-            <a:endParaRPr lang="en-US" i="1" dirty="0"/>
           </a:p>
         </p:txBody>
       </p:sp>
@@ -7627,18 +7486,13 @@
           <a:p>
             <a:pPr algn="ctr"/>
             <a:r>
-              <a:rPr lang="en-US" sz="2000" b="1" dirty="0" smtClean="0">
+              <a:rPr lang="en-US" sz="2000" b="1" dirty="0">
                 <a:solidFill>
                   <a:schemeClr val="tx1"/>
                 </a:solidFill>
               </a:rPr>
               <a:t>Plan  cells</a:t>
             </a:r>
-            <a:endParaRPr lang="en-US" sz="2000" b="1" dirty="0">
-              <a:solidFill>
-                <a:schemeClr val="tx1"/>
-              </a:solidFill>
-            </a:endParaRPr>
           </a:p>
         </p:txBody>
       </p:sp>
@@ -7682,18 +7536,13 @@
           <a:p>
             <a:pPr algn="ctr"/>
             <a:r>
-              <a:rPr lang="en-US" sz="2000" b="1" dirty="0" smtClean="0">
+              <a:rPr lang="en-US" sz="2000" b="1" dirty="0">
                 <a:solidFill>
                   <a:schemeClr val="tx1"/>
                 </a:solidFill>
               </a:rPr>
               <a:t>Choice  cells</a:t>
             </a:r>
-            <a:endParaRPr lang="en-US" sz="2000" b="1" dirty="0">
-              <a:solidFill>
-                <a:schemeClr val="tx1"/>
-              </a:solidFill>
-            </a:endParaRPr>
           </a:p>
         </p:txBody>
       </p:sp>
@@ -8226,11 +8075,11 @@
           <a:lstStyle/>
           <a:p>
             <a:r>
-              <a:rPr lang="en-US" b="1" dirty="0" smtClean="0"/>
+              <a:rPr lang="en-US" b="1" dirty="0"/>
               <a:t>Main building block in </a:t>
             </a:r>
             <a:r>
-              <a:rPr lang="en-US" b="1" dirty="0" err="1" smtClean="0"/>
+              <a:rPr lang="en-US" b="1" dirty="0" err="1"/>
               <a:t>goDIVA</a:t>
             </a:r>
             <a:endParaRPr lang="en-US" b="1" dirty="0"/>
@@ -8396,18 +8245,17 @@
           <a:lstStyle/>
           <a:p>
             <a:r>
-              <a:rPr lang="en-US" dirty="0" smtClean="0"/>
+              <a:rPr lang="en-US" dirty="0"/>
               <a:t>Note: stack of Plan and Choice cells are used in </a:t>
             </a:r>
             <a:r>
-              <a:rPr lang="en-US" dirty="0" err="1" smtClean="0"/>
+              <a:rPr lang="en-US" dirty="0" err="1"/>
               <a:t>goDIVA</a:t>
             </a:r>
             <a:r>
-              <a:rPr lang="en-US" dirty="0" smtClean="0"/>
+              <a:rPr lang="en-US" dirty="0"/>
               <a:t> to represent different channels/slots in phonological representation (encoding relative position of phonemes within syllable, see below)</a:t>
             </a:r>
-            <a:endParaRPr lang="en-US" dirty="0" smtClean="0"/>
           </a:p>
         </p:txBody>
       </p:sp>
@@ -8434,10 +8282,9 @@
           <a:lstStyle/>
           <a:p>
             <a:r>
-              <a:rPr lang="en-US" i="1" dirty="0" smtClean="0"/>
+              <a:rPr lang="en-US" i="1" dirty="0"/>
               <a:t>gate</a:t>
             </a:r>
-            <a:endParaRPr lang="en-US" i="1" dirty="0"/>
           </a:p>
         </p:txBody>
       </p:sp>
@@ -8464,10 +8311,9 @@
           <a:lstStyle/>
           <a:p>
             <a:r>
-              <a:rPr lang="en-US" i="1" dirty="0" smtClean="0"/>
+              <a:rPr lang="en-US" i="1" dirty="0"/>
               <a:t>inhibition</a:t>
             </a:r>
-            <a:endParaRPr lang="en-US" i="1" dirty="0"/>
           </a:p>
         </p:txBody>
       </p:sp>
@@ -8494,10 +8340,9 @@
           <a:lstStyle/>
           <a:p>
             <a:r>
-              <a:rPr lang="en-US" i="1" dirty="0" smtClean="0"/>
+              <a:rPr lang="en-US" i="1" dirty="0"/>
               <a:t>input</a:t>
             </a:r>
-            <a:endParaRPr lang="en-US" i="1" dirty="0"/>
           </a:p>
         </p:txBody>
       </p:sp>
@@ -8524,10 +8369,9 @@
           <a:lstStyle/>
           <a:p>
             <a:r>
-              <a:rPr lang="en-US" i="1" dirty="0" smtClean="0"/>
+              <a:rPr lang="en-US" i="1" dirty="0"/>
               <a:t>output</a:t>
             </a:r>
-            <a:endParaRPr lang="en-US" i="1" dirty="0"/>
           </a:p>
         </p:txBody>
       </p:sp>
@@ -8571,18 +8415,13 @@
           <a:p>
             <a:pPr algn="ctr"/>
             <a:r>
-              <a:rPr lang="en-US" sz="2000" b="1" dirty="0" smtClean="0">
+              <a:rPr lang="en-US" sz="2000" b="1" dirty="0">
                 <a:solidFill>
                   <a:schemeClr val="tx1"/>
                 </a:solidFill>
               </a:rPr>
               <a:t>Choice  cells</a:t>
             </a:r>
-            <a:endParaRPr lang="en-US" sz="2000" b="1" dirty="0">
-              <a:solidFill>
-                <a:schemeClr val="tx1"/>
-              </a:solidFill>
-            </a:endParaRPr>
           </a:p>
         </p:txBody>
       </p:sp>
@@ -8626,18 +8465,13 @@
           <a:p>
             <a:pPr algn="ctr"/>
             <a:r>
-              <a:rPr lang="en-US" sz="2000" b="1" dirty="0" smtClean="0">
+              <a:rPr lang="en-US" sz="2000" b="1" dirty="0">
                 <a:solidFill>
                   <a:schemeClr val="tx1"/>
                 </a:solidFill>
               </a:rPr>
               <a:t>Choice  cells</a:t>
             </a:r>
-            <a:endParaRPr lang="en-US" sz="2000" b="1" dirty="0">
-              <a:solidFill>
-                <a:schemeClr val="tx1"/>
-              </a:solidFill>
-            </a:endParaRPr>
           </a:p>
         </p:txBody>
       </p:sp>
@@ -8681,18 +8515,13 @@
           <a:p>
             <a:pPr algn="ctr"/>
             <a:r>
-              <a:rPr lang="en-US" sz="2000" b="1" dirty="0" smtClean="0">
+              <a:rPr lang="en-US" sz="2000" b="1" dirty="0">
                 <a:solidFill>
                   <a:schemeClr val="tx1"/>
                 </a:solidFill>
               </a:rPr>
               <a:t>Plan  cells</a:t>
             </a:r>
-            <a:endParaRPr lang="en-US" sz="2000" b="1" dirty="0">
-              <a:solidFill>
-                <a:schemeClr val="tx1"/>
-              </a:solidFill>
-            </a:endParaRPr>
           </a:p>
         </p:txBody>
       </p:sp>
@@ -8736,18 +8565,13 @@
           <a:p>
             <a:pPr algn="ctr"/>
             <a:r>
-              <a:rPr lang="en-US" sz="2000" b="1" dirty="0" smtClean="0">
+              <a:rPr lang="en-US" sz="2000" b="1" dirty="0">
                 <a:solidFill>
                   <a:schemeClr val="tx1"/>
                 </a:solidFill>
               </a:rPr>
               <a:t>Plan  cells</a:t>
             </a:r>
-            <a:endParaRPr lang="en-US" sz="2000" b="1" dirty="0">
-              <a:solidFill>
-                <a:schemeClr val="tx1"/>
-              </a:solidFill>
-            </a:endParaRPr>
           </a:p>
         </p:txBody>
       </p:sp>
@@ -8797,10 +8621,9 @@
           <a:lstStyle/>
           <a:p>
             <a:r>
-              <a:rPr lang="en-US" dirty="0" smtClean="0"/>
+              <a:rPr lang="en-US" dirty="0"/>
               <a:t>GODIVA Simulink Building Blocks</a:t>
             </a:r>
-            <a:endParaRPr lang="en-US" dirty="0"/>
           </a:p>
         </p:txBody>
       </p:sp>
@@ -8828,17 +8651,12 @@
           <a:p>
             <a:r>
               <a:rPr lang="en-US" b="1" dirty="0" err="1"/>
-              <a:t>g</a:t>
-            </a:r>
-            <a:r>
-              <a:rPr lang="en-US" b="1" dirty="0" err="1" smtClean="0"/>
-              <a:t>odiva</a:t>
-            </a:r>
-            <a:r>
-              <a:rPr lang="en-US" b="1" dirty="0" smtClean="0"/>
+              <a:t>godiva</a:t>
+            </a:r>
+            <a:r>
+              <a:rPr lang="en-US" b="1" dirty="0"/>
               <a:t> model (Simulink)</a:t>
             </a:r>
-            <a:endParaRPr lang="en-US" b="1" dirty="0"/>
           </a:p>
         </p:txBody>
       </p:sp>
@@ -8983,10 +8801,9 @@
           <a:lstStyle/>
           <a:p>
             <a:r>
-              <a:rPr lang="en-US" dirty="0" smtClean="0"/>
+              <a:rPr lang="en-US" dirty="0"/>
               <a:t>GODIVA Simulink Building Blocks</a:t>
             </a:r>
-            <a:endParaRPr lang="en-US" dirty="0"/>
           </a:p>
         </p:txBody>
       </p:sp>
@@ -9014,17 +8831,12 @@
           <a:p>
             <a:r>
               <a:rPr lang="en-US" b="1" dirty="0" err="1"/>
-              <a:t>g</a:t>
-            </a:r>
-            <a:r>
-              <a:rPr lang="en-US" b="1" dirty="0" err="1" smtClean="0"/>
-              <a:t>odiva</a:t>
-            </a:r>
-            <a:r>
-              <a:rPr lang="en-US" b="1" dirty="0" smtClean="0"/>
+              <a:t>godiva</a:t>
+            </a:r>
+            <a:r>
+              <a:rPr lang="en-US" b="1" dirty="0"/>
               <a:t> model (Simulink)</a:t>
             </a:r>
-            <a:endParaRPr lang="en-US" b="1" dirty="0"/>
           </a:p>
         </p:txBody>
       </p:sp>
@@ -9421,10 +9233,9 @@
           <a:lstStyle/>
           <a:p>
             <a:r>
-              <a:rPr lang="en-US" sz="1600" dirty="0" smtClean="0"/>
+              <a:rPr lang="en-US" sz="1600" dirty="0"/>
               <a:t>Phonological representation</a:t>
             </a:r>
-            <a:endParaRPr lang="en-US" sz="1600" dirty="0"/>
           </a:p>
         </p:txBody>
       </p:sp>
@@ -9451,10 +9262,9 @@
           <a:lstStyle/>
           <a:p>
             <a:r>
-              <a:rPr lang="en-US" sz="1600" dirty="0" smtClean="0"/>
+              <a:rPr lang="en-US" sz="1600" dirty="0"/>
               <a:t>Speech Sound Map</a:t>
             </a:r>
-            <a:endParaRPr lang="en-US" sz="1600" dirty="0"/>
           </a:p>
         </p:txBody>
       </p:sp>
@@ -9481,10 +9291,9 @@
           <a:lstStyle/>
           <a:p>
             <a:r>
-              <a:rPr lang="en-US" sz="1600" dirty="0" smtClean="0"/>
+              <a:rPr lang="en-US" sz="1600" dirty="0"/>
               <a:t>Frame representation</a:t>
             </a:r>
-            <a:endParaRPr lang="en-US" sz="1600" dirty="0"/>
           </a:p>
         </p:txBody>
       </p:sp>
@@ -9539,10 +9348,9 @@
           <a:lstStyle/>
           <a:p>
             <a:r>
-              <a:rPr lang="en-US" dirty="0" smtClean="0"/>
+              <a:rPr lang="en-US" dirty="0"/>
               <a:t>GODIVA Simulink Building Blocks</a:t>
             </a:r>
-            <a:endParaRPr lang="en-US" dirty="0"/>
           </a:p>
         </p:txBody>
       </p:sp>
@@ -9570,17 +9378,12 @@
           <a:p>
             <a:r>
               <a:rPr lang="en-US" b="1" dirty="0" err="1"/>
-              <a:t>g</a:t>
-            </a:r>
-            <a:r>
-              <a:rPr lang="en-US" b="1" dirty="0" err="1" smtClean="0"/>
-              <a:t>odiva</a:t>
-            </a:r>
-            <a:r>
-              <a:rPr lang="en-US" b="1" dirty="0" smtClean="0"/>
+              <a:t>godiva</a:t>
+            </a:r>
+            <a:r>
+              <a:rPr lang="en-US" b="1" dirty="0"/>
               <a:t> model (Simulink)</a:t>
             </a:r>
-            <a:endParaRPr lang="en-US" b="1" dirty="0"/>
           </a:p>
         </p:txBody>
       </p:sp>
@@ -9745,10 +9548,9 @@
           <a:lstStyle/>
           <a:p>
             <a:r>
-              <a:rPr lang="en-US" sz="1600" dirty="0" smtClean="0"/>
+              <a:rPr lang="en-US" sz="1600" dirty="0"/>
               <a:t>Phonological representation</a:t>
             </a:r>
-            <a:endParaRPr lang="en-US" sz="1600" dirty="0"/>
           </a:p>
         </p:txBody>
       </p:sp>
@@ -9775,10 +9577,9 @@
           <a:lstStyle/>
           <a:p>
             <a:r>
-              <a:rPr lang="en-US" sz="1600" dirty="0" smtClean="0"/>
+              <a:rPr lang="en-US" sz="1600" dirty="0"/>
               <a:t>Speech Sound Map</a:t>
             </a:r>
-            <a:endParaRPr lang="en-US" sz="1600" dirty="0"/>
           </a:p>
         </p:txBody>
       </p:sp>
@@ -9805,10 +9606,9 @@
           <a:lstStyle/>
           <a:p>
             <a:r>
-              <a:rPr lang="en-US" sz="1600" dirty="0" smtClean="0"/>
+              <a:rPr lang="en-US" sz="1600" dirty="0"/>
               <a:t>Frame representation</a:t>
             </a:r>
-            <a:endParaRPr lang="en-US" sz="1600" dirty="0"/>
           </a:p>
         </p:txBody>
       </p:sp>
@@ -9835,7 +9635,7 @@
           <a:lstStyle/>
           <a:p>
             <a:r>
-              <a:rPr lang="en-US" sz="1600" dirty="0" smtClean="0"/>
+              <a:rPr lang="en-US" sz="1600" dirty="0"/>
               <a:t>Behavior: </a:t>
             </a:r>
           </a:p>
@@ -9844,15 +9644,15 @@
               <a:buAutoNum type="arabicParenR"/>
             </a:pPr>
             <a:r>
-              <a:rPr lang="en-US" sz="1600" dirty="0" smtClean="0"/>
+              <a:rPr lang="en-US" sz="1600" dirty="0"/>
               <a:t>Target phonological &amp; frame representations stored in </a:t>
             </a:r>
             <a:r>
-              <a:rPr lang="en-US" sz="1600" dirty="0" err="1" smtClean="0"/>
+              <a:rPr lang="en-US" sz="1600" dirty="0" err="1"/>
               <a:t>IFS&amp;preSMA</a:t>
             </a:r>
             <a:r>
-              <a:rPr lang="en-US" sz="1600" dirty="0" smtClean="0"/>
+              <a:rPr lang="en-US" sz="1600" dirty="0"/>
               <a:t> Plan cells. (note: activation strength represents relative order; phonemic representation contains 7 channels/slots for different positions of phonemes within each syllable)</a:t>
             </a:r>
           </a:p>
@@ -9969,123 +9769,89 @@
           <a:p>
             <a:r>
               <a:rPr lang="en-US" sz="1100" b="1" dirty="0"/>
-              <a:t>#</a:t>
-            </a:r>
-            <a:r>
-              <a:rPr lang="en-US" sz="1100" b="1" dirty="0" smtClean="0"/>
-              <a:t>phonemes</a:t>
-            </a:r>
-          </a:p>
-          <a:p>
+              <a:t>#phonemes</a:t>
+            </a:r>
+          </a:p>
+          <a:p>
+            <a:r>
+              <a:rPr lang="en-US" sz="1100" b="1" dirty="0"/>
+              <a:t>   1</a:t>
+            </a:r>
+          </a:p>
+          <a:p>
+            <a:r>
+              <a:rPr lang="en-US" sz="1100" b="1" dirty="0"/>
+              <a:t>   2</a:t>
+            </a:r>
+          </a:p>
+          <a:p>
+            <a:r>
+              <a:rPr lang="en-US" sz="1100" b="1" dirty="0"/>
+              <a:t>   3 </a:t>
+            </a:r>
+            <a:r>
+              <a:rPr lang="en-US" sz="1100" b="1" dirty="0" err="1"/>
+              <a:t>hh</a:t>
+            </a:r>
+            <a:r>
+              <a:rPr lang="en-US" sz="1100" b="1" dirty="0"/>
+              <a:t> l </a:t>
+            </a:r>
+          </a:p>
+          <a:p>
+            <a:r>
+              <a:rPr lang="en-US" sz="1100" b="1" dirty="0"/>
+              <a:t>   4 </a:t>
+            </a:r>
+            <a:r>
+              <a:rPr lang="en-US" sz="1100" b="1" dirty="0" err="1"/>
+              <a:t>ae</a:t>
+            </a:r>
             <a:r>
               <a:rPr lang="en-US" sz="1100" b="1" dirty="0"/>
               <a:t> </a:t>
             </a:r>
             <a:r>
-              <a:rPr lang="en-US" sz="1100" b="1" dirty="0" smtClean="0"/>
-              <a:t>  </a:t>
-            </a:r>
-            <a:r>
-              <a:rPr lang="en-US" sz="1100" b="1" dirty="0"/>
-              <a:t>1</a:t>
-            </a:r>
-            <a:endParaRPr lang="en-US" sz="1100" b="1" dirty="0" smtClean="0"/>
-          </a:p>
-          <a:p>
+              <a:rPr lang="en-US" sz="1100" b="1" dirty="0" err="1"/>
+              <a:t>ow</a:t>
+            </a:r>
             <a:r>
               <a:rPr lang="en-US" sz="1100" b="1" dirty="0"/>
               <a:t> </a:t>
             </a:r>
-            <a:r>
-              <a:rPr lang="en-US" sz="1100" b="1" dirty="0" smtClean="0"/>
-              <a:t>  2</a:t>
-            </a:r>
+          </a:p>
+          <a:p>
+            <a:r>
+              <a:rPr lang="en-US" sz="1100" b="1" dirty="0"/>
+              <a:t>   5 s</a:t>
+            </a:r>
+          </a:p>
+          <a:p>
+            <a:r>
+              <a:rPr lang="en-US" sz="1100" b="1" dirty="0"/>
+              <a:t>   6</a:t>
+            </a:r>
+          </a:p>
+          <a:p>
+            <a:r>
+              <a:rPr lang="en-US" sz="1100" b="1" dirty="0"/>
+              <a:t>   7</a:t>
+            </a:r>
+          </a:p>
+          <a:p>
             <a:endParaRPr lang="en-US" sz="1100" b="1" dirty="0"/>
           </a:p>
           <a:p>
             <a:r>
-              <a:rPr lang="en-US" sz="1100" b="1" dirty="0" smtClean="0"/>
-              <a:t>   3 </a:t>
-            </a:r>
-            <a:r>
-              <a:rPr lang="en-US" sz="1100" b="1" dirty="0" err="1"/>
-              <a:t>hh</a:t>
-            </a:r>
-            <a:r>
               <a:rPr lang="en-US" sz="1100" b="1" dirty="0"/>
-              <a:t> l </a:t>
-            </a:r>
-          </a:p>
-          <a:p>
-            <a:r>
-              <a:rPr lang="en-US" sz="1100" b="1" dirty="0" smtClean="0"/>
-              <a:t>   4 </a:t>
-            </a:r>
-            <a:r>
-              <a:rPr lang="en-US" sz="1100" b="1" dirty="0" err="1"/>
-              <a:t>ae</a:t>
-            </a:r>
+              <a:t>#frames</a:t>
+            </a:r>
+          </a:p>
+          <a:p>
             <a:r>
               <a:rPr lang="en-US" sz="1100" b="1" dirty="0"/>
-              <a:t> </a:t>
-            </a:r>
-            <a:r>
-              <a:rPr lang="en-US" sz="1100" b="1" dirty="0" err="1"/>
-              <a:t>ow</a:t>
-            </a:r>
-            <a:r>
-              <a:rPr lang="en-US" sz="1100" b="1" dirty="0"/>
-              <a:t> </a:t>
-            </a:r>
-            <a:endParaRPr lang="en-US" sz="1100" b="1" dirty="0" smtClean="0"/>
-          </a:p>
-          <a:p>
-            <a:r>
-              <a:rPr lang="en-US" sz="1100" b="1" dirty="0"/>
-              <a:t> </a:t>
-            </a:r>
-            <a:r>
-              <a:rPr lang="en-US" sz="1100" b="1" dirty="0" smtClean="0"/>
-              <a:t>  5 s</a:t>
-            </a:r>
-          </a:p>
-          <a:p>
-            <a:r>
-              <a:rPr lang="en-US" sz="1100" b="1" dirty="0"/>
-              <a:t> </a:t>
-            </a:r>
-            <a:r>
-              <a:rPr lang="en-US" sz="1100" b="1" dirty="0" smtClean="0"/>
-              <a:t>  6</a:t>
-            </a:r>
-          </a:p>
-          <a:p>
-            <a:r>
-              <a:rPr lang="en-US" sz="1100" b="1" dirty="0"/>
-              <a:t> </a:t>
-            </a:r>
-            <a:r>
-              <a:rPr lang="en-US" sz="1100" b="1" dirty="0" smtClean="0"/>
-              <a:t>  7</a:t>
-            </a:r>
-            <a:endParaRPr lang="en-US" sz="1100" b="1" dirty="0"/>
-          </a:p>
-          <a:p>
-            <a:endParaRPr lang="en-US" sz="1100" b="1" dirty="0"/>
-          </a:p>
-          <a:p>
-            <a:r>
-              <a:rPr lang="en-US" sz="1100" b="1" dirty="0" smtClean="0"/>
-              <a:t>#frames</a:t>
-            </a:r>
-            <a:endParaRPr lang="en-US" sz="1100" b="1" dirty="0"/>
-          </a:p>
-          <a:p>
-            <a:r>
-              <a:rPr lang="en-US" sz="1100" b="1" dirty="0" smtClean="0"/>
               <a:t>   1 CV CVC </a:t>
             </a:r>
-            <a:endParaRPr lang="en-US" sz="1100" b="1" dirty="0"/>
           </a:p>
         </p:txBody>
       </p:sp>
@@ -10116,16 +9882,15 @@
           <a:lstStyle/>
           <a:p>
             <a:r>
-              <a:rPr lang="en-US" sz="1400" b="1" dirty="0" smtClean="0"/>
+              <a:rPr lang="en-US" sz="1400" b="1" dirty="0"/>
               <a:t>CV</a:t>
             </a:r>
           </a:p>
           <a:p>
             <a:r>
-              <a:rPr lang="en-US" sz="1400" b="1" dirty="0" smtClean="0"/>
+              <a:rPr lang="en-US" sz="1400" b="1" dirty="0"/>
               <a:t>CVC</a:t>
             </a:r>
-            <a:endParaRPr lang="en-US" sz="1400" b="1" dirty="0"/>
           </a:p>
         </p:txBody>
       </p:sp>
@@ -10160,11 +9925,11 @@
               <a:t> </a:t>
             </a:r>
             <a:r>
-              <a:rPr lang="en-US" sz="1400" dirty="0" smtClean="0"/>
+              <a:rPr lang="en-US" sz="1400" dirty="0"/>
               <a:t>3:</a:t>
             </a:r>
             <a:r>
-              <a:rPr lang="en-US" sz="1400" b="1" dirty="0" smtClean="0"/>
+              <a:rPr lang="en-US" sz="1400" b="1" dirty="0"/>
               <a:t> </a:t>
             </a:r>
             <a:r>
@@ -10182,11 +9947,11 @@
               <a:t> </a:t>
             </a:r>
             <a:r>
-              <a:rPr lang="en-US" sz="1400" dirty="0" smtClean="0"/>
+              <a:rPr lang="en-US" sz="1400" dirty="0"/>
               <a:t>4:</a:t>
             </a:r>
             <a:r>
-              <a:rPr lang="en-US" sz="1400" b="1" dirty="0" smtClean="0"/>
+              <a:rPr lang="en-US" sz="1400" b="1" dirty="0"/>
               <a:t> </a:t>
             </a:r>
             <a:r>
@@ -10205,19 +9970,14 @@
               <a:rPr lang="en-US" sz="1400" b="1" dirty="0"/>
               <a:t> </a:t>
             </a:r>
-            <a:endParaRPr lang="en-US" sz="1400" b="1" dirty="0" smtClean="0"/>
           </a:p>
           <a:p>
             <a:r>
               <a:rPr lang="en-US" sz="1400" dirty="0"/>
-              <a:t> </a:t>
-            </a:r>
-            <a:r>
-              <a:rPr lang="en-US" sz="1400" dirty="0" smtClean="0"/>
-              <a:t>5:</a:t>
-            </a:r>
-            <a:r>
-              <a:rPr lang="en-US" sz="1400" b="1" dirty="0" smtClean="0"/>
+              <a:t> 5:</a:t>
+            </a:r>
+            <a:r>
+              <a:rPr lang="en-US" sz="1400" b="1" dirty="0"/>
               <a:t> s</a:t>
             </a:r>
             <a:endParaRPr lang="en-US" sz="1400" dirty="0"/>
@@ -10275,10 +10035,9 @@
           <a:lstStyle/>
           <a:p>
             <a:r>
-              <a:rPr lang="en-US" dirty="0" smtClean="0"/>
+              <a:rPr lang="en-US" dirty="0"/>
               <a:t>GODIVA Simulink Building Blocks</a:t>
             </a:r>
-            <a:endParaRPr lang="en-US" dirty="0"/>
           </a:p>
         </p:txBody>
       </p:sp>
@@ -10306,17 +10065,12 @@
           <a:p>
             <a:r>
               <a:rPr lang="en-US" b="1" dirty="0" err="1"/>
-              <a:t>g</a:t>
-            </a:r>
-            <a:r>
-              <a:rPr lang="en-US" b="1" dirty="0" err="1" smtClean="0"/>
-              <a:t>odiva</a:t>
-            </a:r>
-            <a:r>
-              <a:rPr lang="en-US" b="1" dirty="0" smtClean="0"/>
+              <a:t>godiva</a:t>
+            </a:r>
+            <a:r>
+              <a:rPr lang="en-US" b="1" dirty="0"/>
               <a:t> model (Simulink)</a:t>
             </a:r>
-            <a:endParaRPr lang="en-US" b="1" dirty="0"/>
           </a:p>
         </p:txBody>
       </p:sp>
@@ -10437,10 +10191,9 @@
           <a:lstStyle/>
           <a:p>
             <a:r>
-              <a:rPr lang="en-US" sz="1600" dirty="0" smtClean="0"/>
+              <a:rPr lang="en-US" sz="1600" dirty="0"/>
               <a:t>Phonological representation</a:t>
             </a:r>
-            <a:endParaRPr lang="en-US" sz="1600" dirty="0"/>
           </a:p>
         </p:txBody>
       </p:sp>
@@ -10467,10 +10220,9 @@
           <a:lstStyle/>
           <a:p>
             <a:r>
-              <a:rPr lang="en-US" sz="1600" dirty="0" smtClean="0"/>
+              <a:rPr lang="en-US" sz="1600" dirty="0"/>
               <a:t>Speech Sound Map</a:t>
             </a:r>
-            <a:endParaRPr lang="en-US" sz="1600" dirty="0"/>
           </a:p>
         </p:txBody>
       </p:sp>
@@ -10497,10 +10249,9 @@
           <a:lstStyle/>
           <a:p>
             <a:r>
-              <a:rPr lang="en-US" sz="1600" dirty="0" smtClean="0"/>
+              <a:rPr lang="en-US" sz="1600" dirty="0"/>
               <a:t>Frame representation</a:t>
             </a:r>
-            <a:endParaRPr lang="en-US" sz="1600" dirty="0"/>
           </a:p>
         </p:txBody>
       </p:sp>
@@ -10527,24 +10278,23 @@
           <a:lstStyle/>
           <a:p>
             <a:r>
-              <a:rPr lang="en-US" sz="1600" dirty="0" smtClean="0"/>
+              <a:rPr lang="en-US" sz="1600" dirty="0"/>
               <a:t>Behavior: </a:t>
             </a:r>
           </a:p>
           <a:p>
             <a:r>
-              <a:rPr lang="en-US" sz="1600" dirty="0" smtClean="0"/>
+              <a:rPr lang="en-US" sz="1600" dirty="0"/>
               <a:t>2) GO signal activates transfer in </a:t>
             </a:r>
             <a:r>
-              <a:rPr lang="en-US" sz="1600" dirty="0" err="1" smtClean="0"/>
+              <a:rPr lang="en-US" sz="1600" dirty="0" err="1"/>
               <a:t>preSMA</a:t>
             </a:r>
             <a:r>
-              <a:rPr lang="en-US" sz="1600" dirty="0" smtClean="0"/>
+              <a:rPr lang="en-US" sz="1600" dirty="0"/>
               <a:t> of first frame (most active) to Choice cells</a:t>
             </a:r>
-            <a:endParaRPr lang="en-US" sz="1600" dirty="0"/>
           </a:p>
         </p:txBody>
       </p:sp>
@@ -10659,123 +10409,89 @@
           <a:p>
             <a:r>
               <a:rPr lang="en-US" sz="1100" b="1" dirty="0"/>
-              <a:t>#</a:t>
-            </a:r>
-            <a:r>
-              <a:rPr lang="en-US" sz="1100" b="1" dirty="0" smtClean="0"/>
-              <a:t>phonemes</a:t>
-            </a:r>
-          </a:p>
-          <a:p>
+              <a:t>#phonemes</a:t>
+            </a:r>
+          </a:p>
+          <a:p>
+            <a:r>
+              <a:rPr lang="en-US" sz="1100" b="1" dirty="0"/>
+              <a:t>   1</a:t>
+            </a:r>
+          </a:p>
+          <a:p>
+            <a:r>
+              <a:rPr lang="en-US" sz="1100" b="1" dirty="0"/>
+              <a:t>   2</a:t>
+            </a:r>
+          </a:p>
+          <a:p>
+            <a:r>
+              <a:rPr lang="en-US" sz="1100" b="1" dirty="0"/>
+              <a:t>   3 </a:t>
+            </a:r>
+            <a:r>
+              <a:rPr lang="en-US" sz="1100" b="1" dirty="0" err="1"/>
+              <a:t>hh</a:t>
+            </a:r>
+            <a:r>
+              <a:rPr lang="en-US" sz="1100" b="1" dirty="0"/>
+              <a:t> l </a:t>
+            </a:r>
+          </a:p>
+          <a:p>
+            <a:r>
+              <a:rPr lang="en-US" sz="1100" b="1" dirty="0"/>
+              <a:t>   4 </a:t>
+            </a:r>
+            <a:r>
+              <a:rPr lang="en-US" sz="1100" b="1" dirty="0" err="1"/>
+              <a:t>ae</a:t>
+            </a:r>
             <a:r>
               <a:rPr lang="en-US" sz="1100" b="1" dirty="0"/>
               <a:t> </a:t>
             </a:r>
             <a:r>
-              <a:rPr lang="en-US" sz="1100" b="1" dirty="0" smtClean="0"/>
-              <a:t>  </a:t>
-            </a:r>
-            <a:r>
-              <a:rPr lang="en-US" sz="1100" b="1" dirty="0"/>
-              <a:t>1</a:t>
-            </a:r>
-            <a:endParaRPr lang="en-US" sz="1100" b="1" dirty="0" smtClean="0"/>
-          </a:p>
-          <a:p>
+              <a:rPr lang="en-US" sz="1100" b="1" dirty="0" err="1"/>
+              <a:t>ow</a:t>
+            </a:r>
             <a:r>
               <a:rPr lang="en-US" sz="1100" b="1" dirty="0"/>
               <a:t> </a:t>
             </a:r>
-            <a:r>
-              <a:rPr lang="en-US" sz="1100" b="1" dirty="0" smtClean="0"/>
-              <a:t>  2</a:t>
-            </a:r>
+          </a:p>
+          <a:p>
+            <a:r>
+              <a:rPr lang="en-US" sz="1100" b="1" dirty="0"/>
+              <a:t>   5 s</a:t>
+            </a:r>
+          </a:p>
+          <a:p>
+            <a:r>
+              <a:rPr lang="en-US" sz="1100" b="1" dirty="0"/>
+              <a:t>   6</a:t>
+            </a:r>
+          </a:p>
+          <a:p>
+            <a:r>
+              <a:rPr lang="en-US" sz="1100" b="1" dirty="0"/>
+              <a:t>   7</a:t>
+            </a:r>
+          </a:p>
+          <a:p>
             <a:endParaRPr lang="en-US" sz="1100" b="1" dirty="0"/>
           </a:p>
           <a:p>
             <a:r>
-              <a:rPr lang="en-US" sz="1100" b="1" dirty="0" smtClean="0"/>
-              <a:t>   3 </a:t>
-            </a:r>
-            <a:r>
-              <a:rPr lang="en-US" sz="1100" b="1" dirty="0" err="1"/>
-              <a:t>hh</a:t>
-            </a:r>
-            <a:r>
               <a:rPr lang="en-US" sz="1100" b="1" dirty="0"/>
-              <a:t> l </a:t>
-            </a:r>
-          </a:p>
-          <a:p>
-            <a:r>
-              <a:rPr lang="en-US" sz="1100" b="1" dirty="0" smtClean="0"/>
-              <a:t>   4 </a:t>
-            </a:r>
-            <a:r>
-              <a:rPr lang="en-US" sz="1100" b="1" dirty="0" err="1"/>
-              <a:t>ae</a:t>
-            </a:r>
+              <a:t>#frames</a:t>
+            </a:r>
+          </a:p>
+          <a:p>
             <a:r>
               <a:rPr lang="en-US" sz="1100" b="1" dirty="0"/>
-              <a:t> </a:t>
-            </a:r>
-            <a:r>
-              <a:rPr lang="en-US" sz="1100" b="1" dirty="0" err="1"/>
-              <a:t>ow</a:t>
-            </a:r>
-            <a:r>
-              <a:rPr lang="en-US" sz="1100" b="1" dirty="0"/>
-              <a:t> </a:t>
-            </a:r>
-            <a:endParaRPr lang="en-US" sz="1100" b="1" dirty="0" smtClean="0"/>
-          </a:p>
-          <a:p>
-            <a:r>
-              <a:rPr lang="en-US" sz="1100" b="1" dirty="0"/>
-              <a:t> </a:t>
-            </a:r>
-            <a:r>
-              <a:rPr lang="en-US" sz="1100" b="1" dirty="0" smtClean="0"/>
-              <a:t>  5 s</a:t>
-            </a:r>
-          </a:p>
-          <a:p>
-            <a:r>
-              <a:rPr lang="en-US" sz="1100" b="1" dirty="0"/>
-              <a:t> </a:t>
-            </a:r>
-            <a:r>
-              <a:rPr lang="en-US" sz="1100" b="1" dirty="0" smtClean="0"/>
-              <a:t>  6</a:t>
-            </a:r>
-          </a:p>
-          <a:p>
-            <a:r>
-              <a:rPr lang="en-US" sz="1100" b="1" dirty="0"/>
-              <a:t> </a:t>
-            </a:r>
-            <a:r>
-              <a:rPr lang="en-US" sz="1100" b="1" dirty="0" smtClean="0"/>
-              <a:t>  7</a:t>
-            </a:r>
-            <a:endParaRPr lang="en-US" sz="1100" b="1" dirty="0"/>
-          </a:p>
-          <a:p>
-            <a:endParaRPr lang="en-US" sz="1100" b="1" dirty="0"/>
-          </a:p>
-          <a:p>
-            <a:r>
-              <a:rPr lang="en-US" sz="1100" b="1" dirty="0" smtClean="0"/>
-              <a:t>#frames</a:t>
-            </a:r>
-            <a:endParaRPr lang="en-US" sz="1100" b="1" dirty="0"/>
-          </a:p>
-          <a:p>
-            <a:r>
-              <a:rPr lang="en-US" sz="1100" b="1" dirty="0" smtClean="0"/>
               <a:t>   1 CV CVC </a:t>
             </a:r>
-            <a:endParaRPr lang="en-US" sz="1100" b="1" dirty="0"/>
           </a:p>
         </p:txBody>
       </p:sp>
@@ -10806,7 +10522,7 @@
           <a:lstStyle/>
           <a:p>
             <a:r>
-              <a:rPr lang="en-US" sz="1400" b="1" dirty="0" smtClean="0">
+              <a:rPr lang="en-US" sz="1400" b="1" dirty="0">
                 <a:solidFill>
                   <a:schemeClr val="bg1">
                     <a:lumMod val="75000"/>
@@ -10816,16 +10532,15 @@
               <a:t>CV</a:t>
             </a:r>
             <a:r>
-              <a:rPr lang="en-US" sz="1400" b="1" dirty="0" smtClean="0"/>
+              <a:rPr lang="en-US" sz="1400" b="1" dirty="0"/>
               <a:t>         CV</a:t>
             </a:r>
           </a:p>
           <a:p>
             <a:r>
-              <a:rPr lang="en-US" sz="1400" b="1" dirty="0" smtClean="0"/>
+              <a:rPr lang="en-US" sz="1400" b="1" dirty="0"/>
               <a:t>CVC</a:t>
             </a:r>
-            <a:endParaRPr lang="en-US" sz="1400" b="1" dirty="0"/>
           </a:p>
         </p:txBody>
       </p:sp>
@@ -10875,10 +10590,9 @@
           <a:lstStyle/>
           <a:p>
             <a:r>
-              <a:rPr lang="en-US" dirty="0" smtClean="0"/>
+              <a:rPr lang="en-US" dirty="0"/>
               <a:t>GODIVA Simulink Building Blocks</a:t>
             </a:r>
-            <a:endParaRPr lang="en-US" dirty="0"/>
           </a:p>
         </p:txBody>
       </p:sp>
@@ -10905,10 +10619,9 @@
           <a:lstStyle/>
           <a:p>
             <a:r>
-              <a:rPr lang="en-US" b="1" dirty="0" smtClean="0"/>
+              <a:rPr lang="en-US" b="1" dirty="0"/>
               <a:t>Introduction: Plan cells and Choice cells</a:t>
             </a:r>
-            <a:endParaRPr lang="en-US" b="1" dirty="0"/>
           </a:p>
         </p:txBody>
       </p:sp>
@@ -10922,13 +10635,6 @@
   <p:clrMapOvr>
     <a:masterClrMapping/>
   </p:clrMapOvr>
-  <p:timing>
-    <p:tnLst>
-      <p:par>
-        <p:cTn xmlns:p14="http://schemas.microsoft.com/office/powerpoint/2010/main" id="1" dur="indefinite" restart="never" nodeType="tmRoot"/>
-      </p:par>
-    </p:tnLst>
-  </p:timing>
 </p:sld>
 </file>
 
@@ -10970,10 +10676,9 @@
           <a:lstStyle/>
           <a:p>
             <a:r>
-              <a:rPr lang="en-US" dirty="0" smtClean="0"/>
+              <a:rPr lang="en-US" dirty="0"/>
               <a:t>GODIVA Simulink Building Blocks</a:t>
             </a:r>
-            <a:endParaRPr lang="en-US" dirty="0"/>
           </a:p>
         </p:txBody>
       </p:sp>
@@ -11001,17 +10706,12 @@
           <a:p>
             <a:r>
               <a:rPr lang="en-US" b="1" dirty="0" err="1"/>
-              <a:t>g</a:t>
-            </a:r>
-            <a:r>
-              <a:rPr lang="en-US" b="1" dirty="0" err="1" smtClean="0"/>
-              <a:t>odiva</a:t>
-            </a:r>
-            <a:r>
-              <a:rPr lang="en-US" b="1" dirty="0" smtClean="0"/>
+              <a:t>godiva</a:t>
+            </a:r>
+            <a:r>
+              <a:rPr lang="en-US" b="1" dirty="0"/>
               <a:t> model (Simulink)</a:t>
             </a:r>
-            <a:endParaRPr lang="en-US" b="1" dirty="0"/>
           </a:p>
         </p:txBody>
       </p:sp>
@@ -11132,10 +10832,9 @@
           <a:lstStyle/>
           <a:p>
             <a:r>
-              <a:rPr lang="en-US" sz="1600" dirty="0" smtClean="0"/>
+              <a:rPr lang="en-US" sz="1600" dirty="0"/>
               <a:t>Phonological representation</a:t>
             </a:r>
-            <a:endParaRPr lang="en-US" sz="1600" dirty="0"/>
           </a:p>
         </p:txBody>
       </p:sp>
@@ -11162,10 +10861,9 @@
           <a:lstStyle/>
           <a:p>
             <a:r>
-              <a:rPr lang="en-US" sz="1600" dirty="0" smtClean="0"/>
+              <a:rPr lang="en-US" sz="1600" dirty="0"/>
               <a:t>Speech Sound Map</a:t>
             </a:r>
-            <a:endParaRPr lang="en-US" sz="1600" dirty="0"/>
           </a:p>
         </p:txBody>
       </p:sp>
@@ -11192,10 +10890,9 @@
           <a:lstStyle/>
           <a:p>
             <a:r>
-              <a:rPr lang="en-US" sz="1600" dirty="0" smtClean="0"/>
+              <a:rPr lang="en-US" sz="1600" dirty="0"/>
               <a:t>Frame representation</a:t>
             </a:r>
-            <a:endParaRPr lang="en-US" sz="1600" dirty="0"/>
           </a:p>
         </p:txBody>
       </p:sp>
@@ -11222,13 +10919,13 @@
           <a:lstStyle/>
           <a:p>
             <a:r>
-              <a:rPr lang="en-US" sz="1600" dirty="0" smtClean="0"/>
+              <a:rPr lang="en-US" sz="1600" dirty="0"/>
               <a:t>Behavior: </a:t>
             </a:r>
           </a:p>
           <a:p>
             <a:r>
-              <a:rPr lang="en-US" sz="1600" dirty="0" smtClean="0"/>
+              <a:rPr lang="en-US" sz="1600" dirty="0"/>
               <a:t>3) This, in turn, activates transfer in IFS of first phonemes (most active in each channel/slot) to Choice cells</a:t>
             </a:r>
           </a:p>
@@ -11356,11 +11053,11 @@
               <a:t> </a:t>
             </a:r>
             <a:r>
-              <a:rPr lang="en-US" sz="1400" dirty="0" smtClean="0"/>
+              <a:rPr lang="en-US" sz="1400" dirty="0"/>
               <a:t>3:</a:t>
             </a:r>
             <a:r>
-              <a:rPr lang="en-US" sz="1400" b="1" dirty="0" smtClean="0"/>
+              <a:rPr lang="en-US" sz="1400" b="1" dirty="0"/>
               <a:t> </a:t>
             </a:r>
             <a:r>
@@ -11390,11 +11087,11 @@
               <a:t> </a:t>
             </a:r>
             <a:r>
-              <a:rPr lang="en-US" sz="1400" dirty="0" smtClean="0"/>
+              <a:rPr lang="en-US" sz="1400" dirty="0"/>
               <a:t>4:</a:t>
             </a:r>
             <a:r>
-              <a:rPr lang="en-US" sz="1400" b="1" dirty="0" smtClean="0"/>
+              <a:rPr lang="en-US" sz="1400" b="1" dirty="0"/>
               <a:t> </a:t>
             </a:r>
             <a:r>
@@ -11421,19 +11118,14 @@
               <a:rPr lang="en-US" sz="1400" b="1" dirty="0"/>
               <a:t> </a:t>
             </a:r>
-            <a:endParaRPr lang="en-US" sz="1400" b="1" dirty="0" smtClean="0"/>
           </a:p>
           <a:p>
             <a:r>
               <a:rPr lang="en-US" sz="1400" dirty="0"/>
-              <a:t> </a:t>
-            </a:r>
-            <a:r>
-              <a:rPr lang="en-US" sz="1400" dirty="0" smtClean="0"/>
-              <a:t>5:</a:t>
-            </a:r>
-            <a:r>
-              <a:rPr lang="en-US" sz="1400" b="1" dirty="0" smtClean="0"/>
+              <a:t> 5:</a:t>
+            </a:r>
+            <a:r>
+              <a:rPr lang="en-US" sz="1400" b="1" dirty="0"/>
               <a:t> s</a:t>
             </a:r>
             <a:endParaRPr lang="en-US" sz="1400" dirty="0"/>
@@ -11471,44 +11163,43 @@
               <a:t> </a:t>
             </a:r>
             <a:r>
-              <a:rPr lang="en-US" sz="1400" dirty="0" smtClean="0"/>
+              <a:rPr lang="en-US" sz="1400" dirty="0"/>
               <a:t>3:</a:t>
             </a:r>
-            <a:r>
-              <a:rPr lang="en-US" sz="1400" b="1" dirty="0" smtClean="0"/>
-              <a:t> </a:t>
-            </a:r>
-            <a:r>
-              <a:rPr lang="en-US" sz="1400" b="1" dirty="0" err="1" smtClean="0"/>
-              <a:t>hh</a:t>
-            </a:r>
-            <a:r>
-              <a:rPr lang="en-US" sz="1400" b="1" dirty="0" smtClean="0"/>
-              <a:t> </a:t>
-            </a:r>
-            <a:endParaRPr lang="en-US" sz="1400" b="1" dirty="0"/>
-          </a:p>
-          <a:p>
             <a:r>
               <a:rPr lang="en-US" sz="1400" b="1" dirty="0"/>
               <a:t> </a:t>
             </a:r>
             <a:r>
-              <a:rPr lang="en-US" sz="1400" dirty="0" smtClean="0"/>
+              <a:rPr lang="en-US" sz="1400" b="1" dirty="0" err="1"/>
+              <a:t>hh</a:t>
+            </a:r>
+            <a:r>
+              <a:rPr lang="en-US" sz="1400" b="1" dirty="0"/>
+              <a:t> </a:t>
+            </a:r>
+          </a:p>
+          <a:p>
+            <a:r>
+              <a:rPr lang="en-US" sz="1400" b="1" dirty="0"/>
+              <a:t> </a:t>
+            </a:r>
+            <a:r>
+              <a:rPr lang="en-US" sz="1400" dirty="0"/>
               <a:t>4:</a:t>
             </a:r>
             <a:r>
-              <a:rPr lang="en-US" sz="1400" b="1" dirty="0" smtClean="0"/>
+              <a:rPr lang="en-US" sz="1400" b="1" dirty="0"/>
               <a:t> </a:t>
             </a:r>
             <a:r>
-              <a:rPr lang="en-US" sz="1400" b="1" dirty="0" err="1" smtClean="0"/>
+              <a:rPr lang="en-US" sz="1400" b="1" dirty="0" err="1"/>
               <a:t>ae</a:t>
             </a:r>
-            <a:endParaRPr lang="en-US" sz="1400" b="1" dirty="0" smtClean="0"/>
-          </a:p>
-          <a:p>
-            <a:endParaRPr lang="en-US" sz="1400" b="1" dirty="0" smtClean="0"/>
+            <a:endParaRPr lang="en-US" sz="1400" b="1" dirty="0"/>
+          </a:p>
+          <a:p>
+            <a:endParaRPr lang="en-US" sz="1400" b="1" dirty="0"/>
           </a:p>
         </p:txBody>
       </p:sp>
@@ -11535,123 +11226,89 @@
           <a:p>
             <a:r>
               <a:rPr lang="en-US" sz="1100" b="1" dirty="0"/>
-              <a:t>#</a:t>
-            </a:r>
-            <a:r>
-              <a:rPr lang="en-US" sz="1100" b="1" dirty="0" smtClean="0"/>
-              <a:t>phonemes</a:t>
-            </a:r>
-          </a:p>
-          <a:p>
+              <a:t>#phonemes</a:t>
+            </a:r>
+          </a:p>
+          <a:p>
+            <a:r>
+              <a:rPr lang="en-US" sz="1100" b="1" dirty="0"/>
+              <a:t>   1</a:t>
+            </a:r>
+          </a:p>
+          <a:p>
+            <a:r>
+              <a:rPr lang="en-US" sz="1100" b="1" dirty="0"/>
+              <a:t>   2</a:t>
+            </a:r>
+          </a:p>
+          <a:p>
+            <a:r>
+              <a:rPr lang="en-US" sz="1100" b="1" dirty="0"/>
+              <a:t>   3 </a:t>
+            </a:r>
+            <a:r>
+              <a:rPr lang="en-US" sz="1100" b="1" dirty="0" err="1"/>
+              <a:t>hh</a:t>
+            </a:r>
+            <a:r>
+              <a:rPr lang="en-US" sz="1100" b="1" dirty="0"/>
+              <a:t> l </a:t>
+            </a:r>
+          </a:p>
+          <a:p>
+            <a:r>
+              <a:rPr lang="en-US" sz="1100" b="1" dirty="0"/>
+              <a:t>   4 </a:t>
+            </a:r>
+            <a:r>
+              <a:rPr lang="en-US" sz="1100" b="1" dirty="0" err="1"/>
+              <a:t>ae</a:t>
+            </a:r>
             <a:r>
               <a:rPr lang="en-US" sz="1100" b="1" dirty="0"/>
               <a:t> </a:t>
             </a:r>
             <a:r>
-              <a:rPr lang="en-US" sz="1100" b="1" dirty="0" smtClean="0"/>
-              <a:t>  </a:t>
-            </a:r>
-            <a:r>
-              <a:rPr lang="en-US" sz="1100" b="1" dirty="0"/>
-              <a:t>1</a:t>
-            </a:r>
-            <a:endParaRPr lang="en-US" sz="1100" b="1" dirty="0" smtClean="0"/>
-          </a:p>
-          <a:p>
+              <a:rPr lang="en-US" sz="1100" b="1" dirty="0" err="1"/>
+              <a:t>ow</a:t>
+            </a:r>
             <a:r>
               <a:rPr lang="en-US" sz="1100" b="1" dirty="0"/>
               <a:t> </a:t>
             </a:r>
-            <a:r>
-              <a:rPr lang="en-US" sz="1100" b="1" dirty="0" smtClean="0"/>
-              <a:t>  2</a:t>
-            </a:r>
+          </a:p>
+          <a:p>
+            <a:r>
+              <a:rPr lang="en-US" sz="1100" b="1" dirty="0"/>
+              <a:t>   5 s</a:t>
+            </a:r>
+          </a:p>
+          <a:p>
+            <a:r>
+              <a:rPr lang="en-US" sz="1100" b="1" dirty="0"/>
+              <a:t>   6</a:t>
+            </a:r>
+          </a:p>
+          <a:p>
+            <a:r>
+              <a:rPr lang="en-US" sz="1100" b="1" dirty="0"/>
+              <a:t>   7</a:t>
+            </a:r>
+          </a:p>
+          <a:p>
             <a:endParaRPr lang="en-US" sz="1100" b="1" dirty="0"/>
           </a:p>
           <a:p>
             <a:r>
-              <a:rPr lang="en-US" sz="1100" b="1" dirty="0" smtClean="0"/>
-              <a:t>   3 </a:t>
-            </a:r>
-            <a:r>
-              <a:rPr lang="en-US" sz="1100" b="1" dirty="0" err="1"/>
-              <a:t>hh</a:t>
-            </a:r>
-            <a:r>
               <a:rPr lang="en-US" sz="1100" b="1" dirty="0"/>
-              <a:t> l </a:t>
-            </a:r>
-          </a:p>
-          <a:p>
-            <a:r>
-              <a:rPr lang="en-US" sz="1100" b="1" dirty="0" smtClean="0"/>
-              <a:t>   4 </a:t>
-            </a:r>
-            <a:r>
-              <a:rPr lang="en-US" sz="1100" b="1" dirty="0" err="1"/>
-              <a:t>ae</a:t>
-            </a:r>
+              <a:t>#frames</a:t>
+            </a:r>
+          </a:p>
+          <a:p>
             <a:r>
               <a:rPr lang="en-US" sz="1100" b="1" dirty="0"/>
-              <a:t> </a:t>
-            </a:r>
-            <a:r>
-              <a:rPr lang="en-US" sz="1100" b="1" dirty="0" err="1"/>
-              <a:t>ow</a:t>
-            </a:r>
-            <a:r>
-              <a:rPr lang="en-US" sz="1100" b="1" dirty="0"/>
-              <a:t> </a:t>
-            </a:r>
-            <a:endParaRPr lang="en-US" sz="1100" b="1" dirty="0" smtClean="0"/>
-          </a:p>
-          <a:p>
-            <a:r>
-              <a:rPr lang="en-US" sz="1100" b="1" dirty="0"/>
-              <a:t> </a:t>
-            </a:r>
-            <a:r>
-              <a:rPr lang="en-US" sz="1100" b="1" dirty="0" smtClean="0"/>
-              <a:t>  5 s</a:t>
-            </a:r>
-          </a:p>
-          <a:p>
-            <a:r>
-              <a:rPr lang="en-US" sz="1100" b="1" dirty="0"/>
-              <a:t> </a:t>
-            </a:r>
-            <a:r>
-              <a:rPr lang="en-US" sz="1100" b="1" dirty="0" smtClean="0"/>
-              <a:t>  6</a:t>
-            </a:r>
-          </a:p>
-          <a:p>
-            <a:r>
-              <a:rPr lang="en-US" sz="1100" b="1" dirty="0"/>
-              <a:t> </a:t>
-            </a:r>
-            <a:r>
-              <a:rPr lang="en-US" sz="1100" b="1" dirty="0" smtClean="0"/>
-              <a:t>  7</a:t>
-            </a:r>
-            <a:endParaRPr lang="en-US" sz="1100" b="1" dirty="0"/>
-          </a:p>
-          <a:p>
-            <a:endParaRPr lang="en-US" sz="1100" b="1" dirty="0"/>
-          </a:p>
-          <a:p>
-            <a:r>
-              <a:rPr lang="en-US" sz="1100" b="1" dirty="0" smtClean="0"/>
-              <a:t>#frames</a:t>
-            </a:r>
-            <a:endParaRPr lang="en-US" sz="1100" b="1" dirty="0"/>
-          </a:p>
-          <a:p>
-            <a:r>
-              <a:rPr lang="en-US" sz="1100" b="1" dirty="0" smtClean="0"/>
               <a:t>   1 CV CVC </a:t>
             </a:r>
-            <a:endParaRPr lang="en-US" sz="1100" b="1" dirty="0"/>
           </a:p>
         </p:txBody>
       </p:sp>
@@ -11706,10 +11363,9 @@
           <a:lstStyle/>
           <a:p>
             <a:r>
-              <a:rPr lang="en-US" dirty="0" smtClean="0"/>
+              <a:rPr lang="en-US" dirty="0"/>
               <a:t>GODIVA Simulink Building Blocks</a:t>
             </a:r>
-            <a:endParaRPr lang="en-US" dirty="0"/>
           </a:p>
         </p:txBody>
       </p:sp>
@@ -11737,17 +11393,12 @@
           <a:p>
             <a:r>
               <a:rPr lang="en-US" b="1" dirty="0" err="1"/>
-              <a:t>g</a:t>
-            </a:r>
-            <a:r>
-              <a:rPr lang="en-US" b="1" dirty="0" err="1" smtClean="0"/>
-              <a:t>odiva</a:t>
-            </a:r>
-            <a:r>
-              <a:rPr lang="en-US" b="1" dirty="0" smtClean="0"/>
+              <a:t>godiva</a:t>
+            </a:r>
+            <a:r>
+              <a:rPr lang="en-US" b="1" dirty="0"/>
               <a:t> model (Simulink)</a:t>
             </a:r>
-            <a:endParaRPr lang="en-US" b="1" dirty="0"/>
           </a:p>
         </p:txBody>
       </p:sp>
@@ -11956,10 +11607,9 @@
           <a:lstStyle/>
           <a:p>
             <a:r>
-              <a:rPr lang="en-US" sz="1600" dirty="0" smtClean="0"/>
+              <a:rPr lang="en-US" sz="1600" dirty="0"/>
               <a:t>Phonological representation</a:t>
             </a:r>
-            <a:endParaRPr lang="en-US" sz="1600" dirty="0"/>
           </a:p>
         </p:txBody>
       </p:sp>
@@ -11986,10 +11636,9 @@
           <a:lstStyle/>
           <a:p>
             <a:r>
-              <a:rPr lang="en-US" sz="1600" dirty="0" smtClean="0"/>
+              <a:rPr lang="en-US" sz="1600" dirty="0"/>
               <a:t>Speech Sound Map</a:t>
             </a:r>
-            <a:endParaRPr lang="en-US" sz="1600" dirty="0"/>
           </a:p>
         </p:txBody>
       </p:sp>
@@ -12016,10 +11665,9 @@
           <a:lstStyle/>
           <a:p>
             <a:r>
-              <a:rPr lang="en-US" sz="1600" dirty="0" smtClean="0"/>
+              <a:rPr lang="en-US" sz="1600" dirty="0"/>
               <a:t>Frame representation</a:t>
             </a:r>
-            <a:endParaRPr lang="en-US" sz="1600" dirty="0"/>
           </a:p>
         </p:txBody>
       </p:sp>
@@ -12046,13 +11694,13 @@
           <a:lstStyle/>
           <a:p>
             <a:r>
-              <a:rPr lang="en-US" sz="1600" dirty="0" smtClean="0"/>
+              <a:rPr lang="en-US" sz="1600" dirty="0"/>
               <a:t>Behavior: </a:t>
             </a:r>
           </a:p>
           <a:p>
             <a:r>
-              <a:rPr lang="en-US" sz="1600" dirty="0" smtClean="0"/>
+              <a:rPr lang="en-US" sz="1600" dirty="0"/>
               <a:t>4) Speech Sound Map matches a portion (or all) of the IFS pattern (learned sequences). SSM sends the corresponding motor command to motor cortex. It also sequentially inhibits/deletes the identified/read-out portions of IFS choice cells, until all choice cells in IFS are inactive</a:t>
             </a:r>
           </a:p>
@@ -12139,15 +11787,15 @@
               <a:t> </a:t>
             </a:r>
             <a:r>
-              <a:rPr lang="en-US" sz="1400" dirty="0" smtClean="0"/>
+              <a:rPr lang="en-US" sz="1400" dirty="0"/>
               <a:t>3:</a:t>
             </a:r>
             <a:r>
-              <a:rPr lang="en-US" sz="1400" b="1" dirty="0" smtClean="0"/>
+              <a:rPr lang="en-US" sz="1400" b="1" dirty="0"/>
               <a:t> </a:t>
             </a:r>
             <a:r>
-              <a:rPr lang="en-US" sz="1400" b="1" dirty="0" err="1" smtClean="0">
+              <a:rPr lang="en-US" sz="1400" b="1" dirty="0" err="1">
                 <a:solidFill>
                   <a:srgbClr val="BFBFBF"/>
                 </a:solidFill>
@@ -12155,46 +11803,41 @@
               <a:t>hh</a:t>
             </a:r>
             <a:r>
-              <a:rPr lang="en-US" sz="1400" b="1" dirty="0" smtClean="0">
+              <a:rPr lang="en-US" sz="1400" b="1" dirty="0">
                 <a:solidFill>
                   <a:srgbClr val="BFBFBF"/>
                 </a:solidFill>
               </a:rPr>
               <a:t> </a:t>
             </a:r>
+          </a:p>
+          <a:p>
+            <a:r>
+              <a:rPr lang="en-US" sz="1400" b="1" dirty="0"/>
+              <a:t> </a:t>
+            </a:r>
+            <a:r>
+              <a:rPr lang="en-US" sz="1400" dirty="0"/>
+              <a:t>4:</a:t>
+            </a:r>
+            <a:r>
+              <a:rPr lang="en-US" sz="1400" b="1" dirty="0"/>
+              <a:t> </a:t>
+            </a:r>
+            <a:r>
+              <a:rPr lang="en-US" sz="1400" b="1" dirty="0" err="1">
+                <a:solidFill>
+                  <a:srgbClr val="BFBFBF"/>
+                </a:solidFill>
+              </a:rPr>
+              <a:t>ae</a:t>
+            </a:r>
             <a:endParaRPr lang="en-US" sz="1400" b="1" dirty="0">
               <a:solidFill>
                 <a:srgbClr val="BFBFBF"/>
               </a:solidFill>
             </a:endParaRPr>
           </a:p>
-          <a:p>
-            <a:r>
-              <a:rPr lang="en-US" sz="1400" b="1" dirty="0"/>
-              <a:t> </a:t>
-            </a:r>
-            <a:r>
-              <a:rPr lang="en-US" sz="1400" dirty="0" smtClean="0"/>
-              <a:t>4:</a:t>
-            </a:r>
-            <a:r>
-              <a:rPr lang="en-US" sz="1400" b="1" dirty="0" smtClean="0"/>
-              <a:t> </a:t>
-            </a:r>
-            <a:r>
-              <a:rPr lang="en-US" sz="1400" b="1" dirty="0" err="1" smtClean="0">
-                <a:solidFill>
-                  <a:srgbClr val="BFBFBF"/>
-                </a:solidFill>
-              </a:rPr>
-              <a:t>ae</a:t>
-            </a:r>
-            <a:endParaRPr lang="en-US" sz="1400" b="1" dirty="0" smtClean="0">
-              <a:solidFill>
-                <a:srgbClr val="BFBFBF"/>
-              </a:solidFill>
-            </a:endParaRPr>
-          </a:p>
         </p:txBody>
       </p:sp>
       <p:sp>
@@ -12224,10 +11867,10 @@
           <a:lstStyle/>
           <a:p>
             <a:r>
-              <a:rPr lang="en-US" sz="1400" b="1" dirty="0" err="1" smtClean="0"/>
+              <a:rPr lang="en-US" sz="1400" b="1" dirty="0" err="1"/>
               <a:t>hh-ae</a:t>
             </a:r>
-            <a:endParaRPr lang="en-US" sz="1400" b="1" dirty="0" smtClean="0"/>
+            <a:endParaRPr lang="en-US" sz="1400" b="1" dirty="0"/>
           </a:p>
         </p:txBody>
       </p:sp>
@@ -12254,123 +11897,89 @@
           <a:p>
             <a:r>
               <a:rPr lang="en-US" sz="1100" b="1" dirty="0"/>
-              <a:t>#</a:t>
-            </a:r>
-            <a:r>
-              <a:rPr lang="en-US" sz="1100" b="1" dirty="0" smtClean="0"/>
-              <a:t>phonemes</a:t>
-            </a:r>
-          </a:p>
-          <a:p>
+              <a:t>#phonemes</a:t>
+            </a:r>
+          </a:p>
+          <a:p>
+            <a:r>
+              <a:rPr lang="en-US" sz="1100" b="1" dirty="0"/>
+              <a:t>   1</a:t>
+            </a:r>
+          </a:p>
+          <a:p>
+            <a:r>
+              <a:rPr lang="en-US" sz="1100" b="1" dirty="0"/>
+              <a:t>   2</a:t>
+            </a:r>
+          </a:p>
+          <a:p>
+            <a:r>
+              <a:rPr lang="en-US" sz="1100" b="1" dirty="0"/>
+              <a:t>   3 </a:t>
+            </a:r>
+            <a:r>
+              <a:rPr lang="en-US" sz="1100" b="1" dirty="0" err="1"/>
+              <a:t>hh</a:t>
+            </a:r>
+            <a:r>
+              <a:rPr lang="en-US" sz="1100" b="1" dirty="0"/>
+              <a:t> l </a:t>
+            </a:r>
+          </a:p>
+          <a:p>
+            <a:r>
+              <a:rPr lang="en-US" sz="1100" b="1" dirty="0"/>
+              <a:t>   4 </a:t>
+            </a:r>
+            <a:r>
+              <a:rPr lang="en-US" sz="1100" b="1" dirty="0" err="1"/>
+              <a:t>ae</a:t>
+            </a:r>
             <a:r>
               <a:rPr lang="en-US" sz="1100" b="1" dirty="0"/>
               <a:t> </a:t>
             </a:r>
             <a:r>
-              <a:rPr lang="en-US" sz="1100" b="1" dirty="0" smtClean="0"/>
-              <a:t>  </a:t>
-            </a:r>
-            <a:r>
-              <a:rPr lang="en-US" sz="1100" b="1" dirty="0"/>
-              <a:t>1</a:t>
-            </a:r>
-            <a:endParaRPr lang="en-US" sz="1100" b="1" dirty="0" smtClean="0"/>
-          </a:p>
-          <a:p>
+              <a:rPr lang="en-US" sz="1100" b="1" dirty="0" err="1"/>
+              <a:t>ow</a:t>
+            </a:r>
             <a:r>
               <a:rPr lang="en-US" sz="1100" b="1" dirty="0"/>
               <a:t> </a:t>
             </a:r>
-            <a:r>
-              <a:rPr lang="en-US" sz="1100" b="1" dirty="0" smtClean="0"/>
-              <a:t>  2</a:t>
-            </a:r>
+          </a:p>
+          <a:p>
+            <a:r>
+              <a:rPr lang="en-US" sz="1100" b="1" dirty="0"/>
+              <a:t>   5 s</a:t>
+            </a:r>
+          </a:p>
+          <a:p>
+            <a:r>
+              <a:rPr lang="en-US" sz="1100" b="1" dirty="0"/>
+              <a:t>   6</a:t>
+            </a:r>
+          </a:p>
+          <a:p>
+            <a:r>
+              <a:rPr lang="en-US" sz="1100" b="1" dirty="0"/>
+              <a:t>   7</a:t>
+            </a:r>
+          </a:p>
+          <a:p>
             <a:endParaRPr lang="en-US" sz="1100" b="1" dirty="0"/>
           </a:p>
           <a:p>
             <a:r>
-              <a:rPr lang="en-US" sz="1100" b="1" dirty="0" smtClean="0"/>
-              <a:t>   3 </a:t>
-            </a:r>
-            <a:r>
-              <a:rPr lang="en-US" sz="1100" b="1" dirty="0" err="1"/>
-              <a:t>hh</a:t>
-            </a:r>
-            <a:r>
               <a:rPr lang="en-US" sz="1100" b="1" dirty="0"/>
-              <a:t> l </a:t>
-            </a:r>
-          </a:p>
-          <a:p>
-            <a:r>
-              <a:rPr lang="en-US" sz="1100" b="1" dirty="0" smtClean="0"/>
-              <a:t>   4 </a:t>
-            </a:r>
-            <a:r>
-              <a:rPr lang="en-US" sz="1100" b="1" dirty="0" err="1"/>
-              <a:t>ae</a:t>
-            </a:r>
+              <a:t>#frames</a:t>
+            </a:r>
+          </a:p>
+          <a:p>
             <a:r>
               <a:rPr lang="en-US" sz="1100" b="1" dirty="0"/>
-              <a:t> </a:t>
-            </a:r>
-            <a:r>
-              <a:rPr lang="en-US" sz="1100" b="1" dirty="0" err="1"/>
-              <a:t>ow</a:t>
-            </a:r>
-            <a:r>
-              <a:rPr lang="en-US" sz="1100" b="1" dirty="0"/>
-              <a:t> </a:t>
-            </a:r>
-            <a:endParaRPr lang="en-US" sz="1100" b="1" dirty="0" smtClean="0"/>
-          </a:p>
-          <a:p>
-            <a:r>
-              <a:rPr lang="en-US" sz="1100" b="1" dirty="0"/>
-              <a:t> </a:t>
-            </a:r>
-            <a:r>
-              <a:rPr lang="en-US" sz="1100" b="1" dirty="0" smtClean="0"/>
-              <a:t>  5 s</a:t>
-            </a:r>
-          </a:p>
-          <a:p>
-            <a:r>
-              <a:rPr lang="en-US" sz="1100" b="1" dirty="0"/>
-              <a:t> </a:t>
-            </a:r>
-            <a:r>
-              <a:rPr lang="en-US" sz="1100" b="1" dirty="0" smtClean="0"/>
-              <a:t>  6</a:t>
-            </a:r>
-          </a:p>
-          <a:p>
-            <a:r>
-              <a:rPr lang="en-US" sz="1100" b="1" dirty="0"/>
-              <a:t> </a:t>
-            </a:r>
-            <a:r>
-              <a:rPr lang="en-US" sz="1100" b="1" dirty="0" smtClean="0"/>
-              <a:t>  7</a:t>
-            </a:r>
-            <a:endParaRPr lang="en-US" sz="1100" b="1" dirty="0"/>
-          </a:p>
-          <a:p>
-            <a:endParaRPr lang="en-US" sz="1100" b="1" dirty="0"/>
-          </a:p>
-          <a:p>
-            <a:r>
-              <a:rPr lang="en-US" sz="1100" b="1" dirty="0" smtClean="0"/>
-              <a:t>#frames</a:t>
-            </a:r>
-            <a:endParaRPr lang="en-US" sz="1100" b="1" dirty="0"/>
-          </a:p>
-          <a:p>
-            <a:r>
-              <a:rPr lang="en-US" sz="1100" b="1" dirty="0" smtClean="0"/>
               <a:t>   1 CV CVC </a:t>
             </a:r>
-            <a:endParaRPr lang="en-US" sz="1100" b="1" dirty="0"/>
           </a:p>
         </p:txBody>
       </p:sp>
@@ -12469,10 +12078,9 @@
           <a:lstStyle/>
           <a:p>
             <a:r>
-              <a:rPr lang="en-US" dirty="0" smtClean="0"/>
+              <a:rPr lang="en-US" dirty="0"/>
               <a:t>GODIVA Simulink Building Blocks</a:t>
             </a:r>
-            <a:endParaRPr lang="en-US" dirty="0"/>
           </a:p>
         </p:txBody>
       </p:sp>
@@ -12500,17 +12108,12 @@
           <a:p>
             <a:r>
               <a:rPr lang="en-US" b="1" dirty="0" err="1"/>
-              <a:t>g</a:t>
-            </a:r>
-            <a:r>
-              <a:rPr lang="en-US" b="1" dirty="0" err="1" smtClean="0"/>
-              <a:t>odiva</a:t>
-            </a:r>
-            <a:r>
-              <a:rPr lang="en-US" b="1" dirty="0" smtClean="0"/>
+              <a:t>godiva</a:t>
+            </a:r>
+            <a:r>
+              <a:rPr lang="en-US" b="1" dirty="0"/>
               <a:t> model (Simulink)</a:t>
             </a:r>
-            <a:endParaRPr lang="en-US" b="1" dirty="0"/>
           </a:p>
         </p:txBody>
       </p:sp>
@@ -12675,10 +12278,9 @@
           <a:lstStyle/>
           <a:p>
             <a:r>
-              <a:rPr lang="en-US" sz="1600" dirty="0" smtClean="0"/>
+              <a:rPr lang="en-US" sz="1600" dirty="0"/>
               <a:t>Phonological representation</a:t>
             </a:r>
-            <a:endParaRPr lang="en-US" sz="1600" dirty="0"/>
           </a:p>
         </p:txBody>
       </p:sp>
@@ -12705,10 +12307,9 @@
           <a:lstStyle/>
           <a:p>
             <a:r>
-              <a:rPr lang="en-US" sz="1600" dirty="0" smtClean="0"/>
+              <a:rPr lang="en-US" sz="1600" dirty="0"/>
               <a:t>Speech Sound Map</a:t>
             </a:r>
-            <a:endParaRPr lang="en-US" sz="1600" dirty="0"/>
           </a:p>
         </p:txBody>
       </p:sp>
@@ -12735,10 +12336,9 @@
           <a:lstStyle/>
           <a:p>
             <a:r>
-              <a:rPr lang="en-US" sz="1600" dirty="0" smtClean="0"/>
+              <a:rPr lang="en-US" sz="1600" dirty="0"/>
               <a:t>Frame representation</a:t>
             </a:r>
-            <a:endParaRPr lang="en-US" sz="1600" dirty="0"/>
           </a:p>
         </p:txBody>
       </p:sp>
@@ -12765,41 +12365,37 @@
           <a:lstStyle/>
           <a:p>
             <a:r>
-              <a:rPr lang="en-US" sz="1600" dirty="0" smtClean="0"/>
+              <a:rPr lang="en-US" sz="1600" dirty="0"/>
               <a:t>Behavior: </a:t>
             </a:r>
           </a:p>
           <a:p>
             <a:r>
               <a:rPr lang="en-US" sz="1600" dirty="0"/>
-              <a:t>5</a:t>
-            </a:r>
-            <a:r>
-              <a:rPr lang="en-US" sz="1600" dirty="0" smtClean="0"/>
-              <a:t>) All IFS choice cells inactive triggers the inhibition of </a:t>
-            </a:r>
-            <a:r>
-              <a:rPr lang="en-US" sz="1600" dirty="0" err="1" smtClean="0"/>
+              <a:t>5) All IFS choice cells inactive triggers the inhibition of </a:t>
+            </a:r>
+            <a:r>
+              <a:rPr lang="en-US" sz="1600" dirty="0" err="1"/>
               <a:t>preSMA</a:t>
             </a:r>
             <a:r>
-              <a:rPr lang="en-US" sz="1600" dirty="0" smtClean="0"/>
+              <a:rPr lang="en-US" sz="1600" dirty="0"/>
               <a:t> choice cells, which enables the transfer of the next frame stored in </a:t>
             </a:r>
             <a:r>
-              <a:rPr lang="en-US" sz="1600" dirty="0" err="1" smtClean="0"/>
+              <a:rPr lang="en-US" sz="1600" dirty="0" err="1"/>
               <a:t>preSMA</a:t>
             </a:r>
             <a:r>
-              <a:rPr lang="en-US" sz="1600" dirty="0" smtClean="0"/>
+              <a:rPr lang="en-US" sz="1600" dirty="0"/>
               <a:t> plan cells to </a:t>
             </a:r>
             <a:r>
-              <a:rPr lang="en-US" sz="1600" dirty="0" err="1" smtClean="0"/>
+              <a:rPr lang="en-US" sz="1600" dirty="0" err="1"/>
               <a:t>preSMA</a:t>
             </a:r>
             <a:r>
-              <a:rPr lang="en-US" sz="1600" dirty="0" smtClean="0"/>
+              <a:rPr lang="en-US" sz="1600" dirty="0"/>
               <a:t> choice cells</a:t>
             </a:r>
           </a:p>
@@ -12808,16 +12404,8 @@
           </a:p>
           <a:p>
             <a:r>
-              <a:rPr lang="en-US" sz="1600" dirty="0" smtClean="0"/>
-              <a:t>This in turn activates the transfer </a:t>
-            </a:r>
-            <a:r>
               <a:rPr lang="en-US" sz="1600" dirty="0"/>
-              <a:t>in IFS of </a:t>
-            </a:r>
-            <a:r>
-              <a:rPr lang="en-US" sz="1600" dirty="0" smtClean="0"/>
-              <a:t>the associated phonemes stored in IFS plan cells to IFS choice cells (same as step 3), so the entire process is repeated (steps 3-5)</a:t>
+              <a:t>This in turn activates the transfer in IFS of the associated phonemes stored in IFS plan cells to IFS choice cells (same as step 3), so the entire process is repeated (steps 3-5)</a:t>
             </a:r>
           </a:p>
         </p:txBody>
@@ -12893,7 +12481,7 @@
           <a:lstStyle/>
           <a:p>
             <a:r>
-              <a:rPr lang="en-US" sz="1400" b="1" dirty="0" smtClean="0">
+              <a:rPr lang="en-US" sz="1400" b="1" dirty="0">
                 <a:solidFill>
                   <a:schemeClr val="bg1">
                     <a:lumMod val="75000"/>
@@ -12903,24 +12491,19 @@
               <a:t>CV</a:t>
             </a:r>
             <a:r>
-              <a:rPr lang="en-US" sz="1400" b="1" dirty="0" smtClean="0"/>
+              <a:rPr lang="en-US" sz="1400" b="1" dirty="0"/>
               <a:t>         CVC</a:t>
             </a:r>
           </a:p>
           <a:p>
             <a:r>
-              <a:rPr lang="en-US" sz="1400" b="1" dirty="0" smtClean="0">
+              <a:rPr lang="en-US" sz="1400" b="1" dirty="0">
                 <a:solidFill>
                   <a:srgbClr val="BFBFBF"/>
                 </a:solidFill>
               </a:rPr>
               <a:t>CVC</a:t>
             </a:r>
-            <a:endParaRPr lang="en-US" sz="1400" b="1" dirty="0">
-              <a:solidFill>
-                <a:srgbClr val="BFBFBF"/>
-              </a:solidFill>
-            </a:endParaRPr>
           </a:p>
         </p:txBody>
       </p:sp>
@@ -12947,123 +12530,89 @@
           <a:p>
             <a:r>
               <a:rPr lang="en-US" sz="1100" b="1" dirty="0"/>
-              <a:t>#</a:t>
-            </a:r>
-            <a:r>
-              <a:rPr lang="en-US" sz="1100" b="1" dirty="0" smtClean="0"/>
-              <a:t>phonemes</a:t>
-            </a:r>
-          </a:p>
-          <a:p>
+              <a:t>#phonemes</a:t>
+            </a:r>
+          </a:p>
+          <a:p>
+            <a:r>
+              <a:rPr lang="en-US" sz="1100" b="1" dirty="0"/>
+              <a:t>   1</a:t>
+            </a:r>
+          </a:p>
+          <a:p>
+            <a:r>
+              <a:rPr lang="en-US" sz="1100" b="1" dirty="0"/>
+              <a:t>   2</a:t>
+            </a:r>
+          </a:p>
+          <a:p>
+            <a:r>
+              <a:rPr lang="en-US" sz="1100" b="1" dirty="0"/>
+              <a:t>   3 </a:t>
+            </a:r>
+            <a:r>
+              <a:rPr lang="en-US" sz="1100" b="1" dirty="0" err="1"/>
+              <a:t>hh</a:t>
+            </a:r>
+            <a:r>
+              <a:rPr lang="en-US" sz="1100" b="1" dirty="0"/>
+              <a:t> l </a:t>
+            </a:r>
+          </a:p>
+          <a:p>
+            <a:r>
+              <a:rPr lang="en-US" sz="1100" b="1" dirty="0"/>
+              <a:t>   4 </a:t>
+            </a:r>
+            <a:r>
+              <a:rPr lang="en-US" sz="1100" b="1" dirty="0" err="1"/>
+              <a:t>ae</a:t>
+            </a:r>
             <a:r>
               <a:rPr lang="en-US" sz="1100" b="1" dirty="0"/>
               <a:t> </a:t>
             </a:r>
             <a:r>
-              <a:rPr lang="en-US" sz="1100" b="1" dirty="0" smtClean="0"/>
-              <a:t>  </a:t>
-            </a:r>
-            <a:r>
-              <a:rPr lang="en-US" sz="1100" b="1" dirty="0"/>
-              <a:t>1</a:t>
-            </a:r>
-            <a:endParaRPr lang="en-US" sz="1100" b="1" dirty="0" smtClean="0"/>
-          </a:p>
-          <a:p>
+              <a:rPr lang="en-US" sz="1100" b="1" dirty="0" err="1"/>
+              <a:t>ow</a:t>
+            </a:r>
             <a:r>
               <a:rPr lang="en-US" sz="1100" b="1" dirty="0"/>
               <a:t> </a:t>
             </a:r>
-            <a:r>
-              <a:rPr lang="en-US" sz="1100" b="1" dirty="0" smtClean="0"/>
-              <a:t>  2</a:t>
-            </a:r>
+          </a:p>
+          <a:p>
+            <a:r>
+              <a:rPr lang="en-US" sz="1100" b="1" dirty="0"/>
+              <a:t>   5 s</a:t>
+            </a:r>
+          </a:p>
+          <a:p>
+            <a:r>
+              <a:rPr lang="en-US" sz="1100" b="1" dirty="0"/>
+              <a:t>   6</a:t>
+            </a:r>
+          </a:p>
+          <a:p>
+            <a:r>
+              <a:rPr lang="en-US" sz="1100" b="1" dirty="0"/>
+              <a:t>   7</a:t>
+            </a:r>
+          </a:p>
+          <a:p>
             <a:endParaRPr lang="en-US" sz="1100" b="1" dirty="0"/>
           </a:p>
           <a:p>
             <a:r>
-              <a:rPr lang="en-US" sz="1100" b="1" dirty="0" smtClean="0"/>
-              <a:t>   3 </a:t>
-            </a:r>
-            <a:r>
-              <a:rPr lang="en-US" sz="1100" b="1" dirty="0" err="1"/>
-              <a:t>hh</a:t>
-            </a:r>
-            <a:r>
               <a:rPr lang="en-US" sz="1100" b="1" dirty="0"/>
-              <a:t> l </a:t>
-            </a:r>
-          </a:p>
-          <a:p>
-            <a:r>
-              <a:rPr lang="en-US" sz="1100" b="1" dirty="0" smtClean="0"/>
-              <a:t>   4 </a:t>
-            </a:r>
-            <a:r>
-              <a:rPr lang="en-US" sz="1100" b="1" dirty="0" err="1"/>
-              <a:t>ae</a:t>
-            </a:r>
+              <a:t>#frames</a:t>
+            </a:r>
+          </a:p>
+          <a:p>
             <a:r>
               <a:rPr lang="en-US" sz="1100" b="1" dirty="0"/>
-              <a:t> </a:t>
-            </a:r>
-            <a:r>
-              <a:rPr lang="en-US" sz="1100" b="1" dirty="0" err="1"/>
-              <a:t>ow</a:t>
-            </a:r>
-            <a:r>
-              <a:rPr lang="en-US" sz="1100" b="1" dirty="0"/>
-              <a:t> </a:t>
-            </a:r>
-            <a:endParaRPr lang="en-US" sz="1100" b="1" dirty="0" smtClean="0"/>
-          </a:p>
-          <a:p>
-            <a:r>
-              <a:rPr lang="en-US" sz="1100" b="1" dirty="0"/>
-              <a:t> </a:t>
-            </a:r>
-            <a:r>
-              <a:rPr lang="en-US" sz="1100" b="1" dirty="0" smtClean="0"/>
-              <a:t>  5 s</a:t>
-            </a:r>
-          </a:p>
-          <a:p>
-            <a:r>
-              <a:rPr lang="en-US" sz="1100" b="1" dirty="0"/>
-              <a:t> </a:t>
-            </a:r>
-            <a:r>
-              <a:rPr lang="en-US" sz="1100" b="1" dirty="0" smtClean="0"/>
-              <a:t>  6</a:t>
-            </a:r>
-          </a:p>
-          <a:p>
-            <a:r>
-              <a:rPr lang="en-US" sz="1100" b="1" dirty="0"/>
-              <a:t> </a:t>
-            </a:r>
-            <a:r>
-              <a:rPr lang="en-US" sz="1100" b="1" dirty="0" smtClean="0"/>
-              <a:t>  7</a:t>
-            </a:r>
-            <a:endParaRPr lang="en-US" sz="1100" b="1" dirty="0"/>
-          </a:p>
-          <a:p>
-            <a:endParaRPr lang="en-US" sz="1100" b="1" dirty="0"/>
-          </a:p>
-          <a:p>
-            <a:r>
-              <a:rPr lang="en-US" sz="1100" b="1" dirty="0" smtClean="0"/>
-              <a:t>#frames</a:t>
-            </a:r>
-            <a:endParaRPr lang="en-US" sz="1100" b="1" dirty="0"/>
-          </a:p>
-          <a:p>
-            <a:r>
-              <a:rPr lang="en-US" sz="1100" b="1" dirty="0" smtClean="0"/>
               <a:t>   1 CV CVC </a:t>
             </a:r>
-            <a:endParaRPr lang="en-US" sz="1100" b="1" dirty="0"/>
           </a:p>
         </p:txBody>
       </p:sp>
@@ -13118,10 +12667,9 @@
           <a:lstStyle/>
           <a:p>
             <a:r>
-              <a:rPr lang="en-US" dirty="0" smtClean="0"/>
+              <a:rPr lang="en-US" dirty="0"/>
               <a:t>GODIVA Simulink implementation</a:t>
             </a:r>
-            <a:endParaRPr lang="en-US" dirty="0"/>
           </a:p>
         </p:txBody>
       </p:sp>
@@ -13222,10 +12770,9 @@
           <a:lstStyle/>
           <a:p>
             <a:r>
-              <a:rPr lang="en-US" sz="1600" b="1" dirty="0" smtClean="0"/>
+              <a:rPr lang="en-US" sz="1600" b="1" dirty="0"/>
               <a:t>1. Define word target</a:t>
             </a:r>
-            <a:endParaRPr lang="en-US" sz="1600" b="1" dirty="0"/>
           </a:p>
         </p:txBody>
       </p:sp>
@@ -13296,10 +12843,9 @@
           <a:lstStyle/>
           <a:p>
             <a:r>
-              <a:rPr lang="en-US" sz="1600" b="1" dirty="0" smtClean="0"/>
+              <a:rPr lang="en-US" sz="1600" b="1" dirty="0"/>
               <a:t>2. Start simulation</a:t>
             </a:r>
-            <a:endParaRPr lang="en-US" sz="1600" b="1" dirty="0"/>
           </a:p>
         </p:txBody>
       </p:sp>
@@ -13384,10 +12930,9 @@
           <a:lstStyle/>
           <a:p>
             <a:r>
-              <a:rPr lang="en-US" dirty="0" smtClean="0"/>
+              <a:rPr lang="en-US" dirty="0"/>
               <a:t>GODIVA Simulink implementation</a:t>
             </a:r>
-            <a:endParaRPr lang="en-US" dirty="0"/>
           </a:p>
         </p:txBody>
       </p:sp>
@@ -13414,26 +12959,25 @@
           <a:lstStyle/>
           <a:p>
             <a:r>
-              <a:rPr lang="en-US" sz="1600" b="1" dirty="0" smtClean="0"/>
+              <a:rPr lang="en-US" sz="1600" b="1" dirty="0"/>
               <a:t>Activation </a:t>
             </a:r>
             <a:r>
-              <a:rPr lang="en-US" sz="1600" b="1" dirty="0" err="1" smtClean="0"/>
+              <a:rPr lang="en-US" sz="1600" b="1" dirty="0" err="1"/>
               <a:t>timeseries</a:t>
             </a:r>
             <a:r>
-              <a:rPr lang="en-US" sz="1600" b="1" dirty="0" smtClean="0"/>
+              <a:rPr lang="en-US" sz="1600" b="1" dirty="0"/>
               <a:t> (IFS, SSM and </a:t>
             </a:r>
             <a:r>
-              <a:rPr lang="en-US" sz="1600" b="1" dirty="0" err="1" smtClean="0"/>
+              <a:rPr lang="en-US" sz="1600" b="1" dirty="0" err="1"/>
               <a:t>preSMA</a:t>
             </a:r>
             <a:r>
-              <a:rPr lang="en-US" sz="1600" b="1" dirty="0" smtClean="0"/>
+              <a:rPr lang="en-US" sz="1600" b="1" dirty="0"/>
               <a:t> plan and choice cells)</a:t>
             </a:r>
-            <a:endParaRPr lang="en-US" sz="1600" b="1" dirty="0"/>
           </a:p>
         </p:txBody>
       </p:sp>
@@ -13490,16 +13034,8 @@
           <a:lstStyle/>
           <a:p>
             <a:r>
-              <a:rPr lang="en-US" sz="1400" dirty="0" smtClean="0"/>
-              <a:t>GODIVA </a:t>
-            </a:r>
-            <a:r>
-              <a:rPr lang="en-US" sz="1400" dirty="0" smtClean="0"/>
-              <a:t>post-presentation homework</a:t>
-            </a:r>
-            <a:r>
-              <a:rPr lang="en-US" sz="1400" dirty="0" smtClean="0"/>
-              <a:t>:</a:t>
+              <a:rPr lang="en-US" sz="1400" dirty="0"/>
+              <a:t>GODIVA post-presentation homework:</a:t>
             </a:r>
           </a:p>
           <a:p>
@@ -13510,88 +13046,67 @@
               <a:buAutoNum type="arabicParenR"/>
             </a:pPr>
             <a:r>
-              <a:rPr lang="en-US" sz="1400" dirty="0" smtClean="0"/>
+              <a:rPr lang="en-US" sz="1400" dirty="0"/>
               <a:t>Simulate production of word “</a:t>
             </a:r>
             <a:r>
-              <a:rPr lang="en-US" sz="1400" dirty="0" err="1" smtClean="0"/>
+              <a:rPr lang="en-US" sz="1400" dirty="0" err="1"/>
               <a:t>tictac</a:t>
             </a:r>
             <a:r>
-              <a:rPr lang="en-US" sz="1400" dirty="0" smtClean="0"/>
+              <a:rPr lang="en-US" sz="1400" dirty="0"/>
               <a:t>”. Explain activation </a:t>
             </a:r>
             <a:r>
-              <a:rPr lang="en-US" sz="1400" dirty="0" err="1" smtClean="0"/>
+              <a:rPr lang="en-US" sz="1400" dirty="0" err="1"/>
               <a:t>timeseries</a:t>
             </a:r>
-            <a:endParaRPr lang="en-US" sz="1400" dirty="0" smtClean="0"/>
-          </a:p>
-          <a:p>
-            <a:endParaRPr lang="en-US" sz="1400" dirty="0" smtClean="0"/>
+            <a:endParaRPr lang="en-US" sz="1400" dirty="0"/>
+          </a:p>
+          <a:p>
+            <a:endParaRPr lang="en-US" sz="1400" dirty="0"/>
           </a:p>
           <a:p>
             <a:pPr marL="342900" indent="-342900">
               <a:buAutoNum type="arabicParenR"/>
             </a:pPr>
             <a:r>
-              <a:rPr lang="en-US" sz="1400" dirty="0" smtClean="0"/>
+              <a:rPr lang="en-US" sz="1400" dirty="0"/>
               <a:t>Add word ‘</a:t>
             </a:r>
             <a:r>
-              <a:rPr lang="en-US" sz="1400" dirty="0" err="1" smtClean="0"/>
+              <a:rPr lang="en-US" sz="1400" dirty="0" err="1"/>
               <a:t>tac</a:t>
             </a:r>
             <a:r>
-              <a:rPr lang="en-US" sz="1400" dirty="0" smtClean="0"/>
+              <a:rPr lang="en-US" sz="1400" dirty="0"/>
               <a:t>’ to </a:t>
             </a:r>
             <a:r>
-              <a:rPr lang="en-US" sz="1400" dirty="0" err="1" smtClean="0"/>
+              <a:rPr lang="en-US" sz="1400" dirty="0" err="1"/>
               <a:t>soundmap</a:t>
             </a:r>
             <a:r>
-              <a:rPr lang="en-US" sz="1400" dirty="0" smtClean="0"/>
+              <a:rPr lang="en-US" sz="1400" dirty="0"/>
               <a:t> representation and repeat simulation (1)</a:t>
             </a:r>
           </a:p>
           <a:p>
-            <a:endParaRPr lang="en-US" sz="1400" dirty="0" smtClean="0"/>
-          </a:p>
-          <a:p>
-            <a:r>
-              <a:rPr lang="en-US" sz="1400" dirty="0" smtClean="0"/>
-              <a:t>3) </a:t>
-            </a:r>
-            <a:r>
-              <a:rPr lang="en-US" sz="1400" dirty="0" smtClean="0"/>
-              <a:t>    What </a:t>
-            </a:r>
-            <a:r>
-              <a:rPr lang="en-US" sz="1400" dirty="0" smtClean="0"/>
-              <a:t>possible change(s) to the learned representations or to the model connections could cause the simulation above to </a:t>
-            </a:r>
-            <a:r>
-              <a:rPr lang="en-US" sz="1400" dirty="0" smtClean="0"/>
-              <a:t>repeat only </a:t>
-            </a:r>
-            <a:r>
-              <a:rPr lang="en-US" sz="1400" dirty="0" smtClean="0"/>
-              <a:t>the first half of the production (tic</a:t>
-            </a:r>
-            <a:r>
-              <a:rPr lang="en-US" sz="1400" dirty="0" smtClean="0"/>
-              <a:t>) over and over (e.g. tic tic tic </a:t>
-            </a:r>
-            <a:r>
-              <a:rPr lang="mr-IN" sz="1400" dirty="0" smtClean="0"/>
+            <a:endParaRPr lang="en-US" sz="1400" dirty="0"/>
+          </a:p>
+          <a:p>
+            <a:r>
+              <a:rPr lang="en-US" sz="1400" dirty="0"/>
+              <a:t>3)     What possible change(s) to the learned representations or to the model connections could cause the simulation above to repeat only the first half of the production (tic) over and over (e.g. tic tic tic </a:t>
+            </a:r>
+            <a:r>
+              <a:rPr lang="mr-IN" sz="1400" dirty="0"/>
               <a:t>…</a:t>
             </a:r>
             <a:r>
-              <a:rPr lang="en-US" sz="1400" dirty="0" smtClean="0"/>
+              <a:rPr lang="en-US" sz="1400" dirty="0"/>
               <a:t>)?</a:t>
             </a:r>
-            <a:endParaRPr lang="en-US" sz="1400" dirty="0" smtClean="0"/>
           </a:p>
           <a:p>
             <a:endParaRPr lang="en-US" sz="1400" dirty="0"/>
@@ -13602,6 +13117,345 @@
     <p:extLst>
       <p:ext uri="{BB962C8B-B14F-4D97-AF65-F5344CB8AC3E}">
         <p14:creationId xmlns:p14="http://schemas.microsoft.com/office/powerpoint/2010/main" val="3285832068"/>
+      </p:ext>
+    </p:extLst>
+  </p:cSld>
+  <p:clrMapOvr>
+    <a:masterClrMapping/>
+  </p:clrMapOvr>
+</p:sld>
+</file>
+
+<file path=ppt/slides/slide26.xml><?xml version="1.0" encoding="utf-8"?>
+<p:sld xmlns:a="http://schemas.openxmlformats.org/drawingml/2006/main" xmlns:r="http://schemas.openxmlformats.org/officeDocument/2006/relationships" xmlns:p="http://schemas.openxmlformats.org/presentationml/2006/main">
+  <p:cSld>
+    <p:spTree>
+      <p:nvGrpSpPr>
+        <p:cNvPr id="1" name=""/>
+        <p:cNvGrpSpPr/>
+        <p:nvPr/>
+      </p:nvGrpSpPr>
+      <p:grpSpPr>
+        <a:xfrm>
+          <a:off x="0" y="0"/>
+          <a:ext cx="0" cy="0"/>
+          <a:chOff x="0" y="0"/>
+          <a:chExt cx="0" cy="0"/>
+        </a:xfrm>
+      </p:grpSpPr>
+      <p:sp>
+        <p:nvSpPr>
+          <p:cNvPr id="5" name="Rounded Rectangle 4"/>
+          <p:cNvSpPr/>
+          <p:nvPr/>
+        </p:nvSpPr>
+        <p:spPr>
+          <a:xfrm rot="16200000">
+            <a:off x="4192612" y="2216379"/>
+            <a:ext cx="1625959" cy="685803"/>
+          </a:xfrm>
+          <a:prstGeom prst="roundRect">
+            <a:avLst/>
+          </a:prstGeom>
+          <a:solidFill>
+            <a:srgbClr val="00B0F0"/>
+          </a:solidFill>
+        </p:spPr>
+        <p:style>
+          <a:lnRef idx="2">
+            <a:schemeClr val="accent1">
+              <a:shade val="50000"/>
+            </a:schemeClr>
+          </a:lnRef>
+          <a:fillRef idx="1">
+            <a:schemeClr val="accent1"/>
+          </a:fillRef>
+          <a:effectRef idx="0">
+            <a:schemeClr val="accent1"/>
+          </a:effectRef>
+          <a:fontRef idx="minor">
+            <a:schemeClr val="lt1"/>
+          </a:fontRef>
+        </p:style>
+        <p:txBody>
+          <a:bodyPr lIns="91436" tIns="45717" rIns="91436" bIns="45717" spcCol="0" rtlCol="0" anchor="ctr"/>
+          <a:lstStyle/>
+          <a:p>
+            <a:pPr algn="ctr"/>
+            <a:r>
+              <a:rPr lang="en-US" sz="2000" b="1" dirty="0">
+                <a:solidFill>
+                  <a:schemeClr val="tx1"/>
+                </a:solidFill>
+              </a:rPr>
+              <a:t>Plan  cells</a:t>
+            </a:r>
+          </a:p>
+        </p:txBody>
+      </p:sp>
+      <p:cxnSp>
+        <p:nvCxnSpPr>
+          <p:cNvPr id="6" name="Straight Connector 5"/>
+          <p:cNvCxnSpPr/>
+          <p:nvPr/>
+        </p:nvCxnSpPr>
+        <p:spPr>
+          <a:xfrm>
+            <a:off x="5348493" y="2545864"/>
+            <a:ext cx="685800" cy="0"/>
+          </a:xfrm>
+          <a:prstGeom prst="line">
+            <a:avLst/>
+          </a:prstGeom>
+          <a:ln w="38100"/>
+        </p:spPr>
+        <p:style>
+          <a:lnRef idx="1">
+            <a:schemeClr val="accent1"/>
+          </a:lnRef>
+          <a:fillRef idx="0">
+            <a:schemeClr val="accent1"/>
+          </a:fillRef>
+          <a:effectRef idx="0">
+            <a:schemeClr val="accent1"/>
+          </a:effectRef>
+          <a:fontRef idx="minor">
+            <a:schemeClr val="tx1"/>
+          </a:fontRef>
+        </p:style>
+      </p:cxnSp>
+      <p:cxnSp>
+        <p:nvCxnSpPr>
+          <p:cNvPr id="7" name="Straight Connector 6"/>
+          <p:cNvCxnSpPr/>
+          <p:nvPr/>
+        </p:nvCxnSpPr>
+        <p:spPr>
+          <a:xfrm>
+            <a:off x="3191311" y="2545864"/>
+            <a:ext cx="1230975" cy="0"/>
+          </a:xfrm>
+          <a:prstGeom prst="line">
+            <a:avLst/>
+          </a:prstGeom>
+          <a:ln w="38100"/>
+        </p:spPr>
+        <p:style>
+          <a:lnRef idx="1">
+            <a:schemeClr val="accent1"/>
+          </a:lnRef>
+          <a:fillRef idx="0">
+            <a:schemeClr val="accent1"/>
+          </a:fillRef>
+          <a:effectRef idx="0">
+            <a:schemeClr val="accent1"/>
+          </a:effectRef>
+          <a:fontRef idx="minor">
+            <a:schemeClr val="tx1"/>
+          </a:fontRef>
+        </p:style>
+      </p:cxnSp>
+      <p:sp>
+        <p:nvSpPr>
+          <p:cNvPr id="8" name="Oval 7"/>
+          <p:cNvSpPr/>
+          <p:nvPr/>
+        </p:nvSpPr>
+        <p:spPr>
+          <a:xfrm>
+            <a:off x="4422286" y="2431564"/>
+            <a:ext cx="228600" cy="228600"/>
+          </a:xfrm>
+          <a:prstGeom prst="ellipse">
+            <a:avLst/>
+          </a:prstGeom>
+          <a:solidFill>
+            <a:schemeClr val="bg1"/>
+          </a:solidFill>
+        </p:spPr>
+        <p:style>
+          <a:lnRef idx="2">
+            <a:schemeClr val="accent1">
+              <a:shade val="50000"/>
+            </a:schemeClr>
+          </a:lnRef>
+          <a:fillRef idx="1">
+            <a:schemeClr val="accent1"/>
+          </a:fillRef>
+          <a:effectRef idx="0">
+            <a:schemeClr val="accent1"/>
+          </a:effectRef>
+          <a:fontRef idx="minor">
+            <a:schemeClr val="lt1"/>
+          </a:fontRef>
+        </p:style>
+        <p:txBody>
+          <a:bodyPr rtlCol="0" anchor="ctr"/>
+          <a:lstStyle/>
+          <a:p>
+            <a:pPr algn="ctr"/>
+            <a:endParaRPr lang="en-US"/>
+          </a:p>
+        </p:txBody>
+      </p:sp>
+      <p:cxnSp>
+        <p:nvCxnSpPr>
+          <p:cNvPr id="78" name="Straight Connector 77"/>
+          <p:cNvCxnSpPr/>
+          <p:nvPr/>
+        </p:nvCxnSpPr>
+        <p:spPr>
+          <a:xfrm flipH="1">
+            <a:off x="3191311" y="1371598"/>
+            <a:ext cx="1867901" cy="0"/>
+          </a:xfrm>
+          <a:prstGeom prst="line">
+            <a:avLst/>
+          </a:prstGeom>
+          <a:ln w="38100"/>
+        </p:spPr>
+        <p:style>
+          <a:lnRef idx="1">
+            <a:schemeClr val="accent1"/>
+          </a:lnRef>
+          <a:fillRef idx="0">
+            <a:schemeClr val="accent1"/>
+          </a:fillRef>
+          <a:effectRef idx="0">
+            <a:schemeClr val="accent1"/>
+          </a:effectRef>
+          <a:fontRef idx="minor">
+            <a:schemeClr val="tx1"/>
+          </a:fontRef>
+        </p:style>
+      </p:cxnSp>
+      <p:sp>
+        <p:nvSpPr>
+          <p:cNvPr id="79" name="Oval 78"/>
+          <p:cNvSpPr/>
+          <p:nvPr/>
+        </p:nvSpPr>
+        <p:spPr>
+          <a:xfrm rot="5400000" flipV="1">
+            <a:off x="4938093" y="1479155"/>
+            <a:ext cx="217552" cy="228600"/>
+          </a:xfrm>
+          <a:prstGeom prst="ellipse">
+            <a:avLst/>
+          </a:prstGeom>
+          <a:solidFill>
+            <a:srgbClr val="0070C0"/>
+          </a:solidFill>
+        </p:spPr>
+        <p:style>
+          <a:lnRef idx="2">
+            <a:schemeClr val="accent1">
+              <a:shade val="50000"/>
+            </a:schemeClr>
+          </a:lnRef>
+          <a:fillRef idx="1">
+            <a:schemeClr val="accent1"/>
+          </a:fillRef>
+          <a:effectRef idx="0">
+            <a:schemeClr val="accent1"/>
+          </a:effectRef>
+          <a:fontRef idx="minor">
+            <a:schemeClr val="lt1"/>
+          </a:fontRef>
+        </p:style>
+        <p:txBody>
+          <a:bodyPr rtlCol="0" anchor="ctr"/>
+          <a:lstStyle/>
+          <a:p>
+            <a:pPr algn="ctr"/>
+            <a:endParaRPr lang="en-US" dirty="0"/>
+          </a:p>
+        </p:txBody>
+      </p:sp>
+      <p:cxnSp>
+        <p:nvCxnSpPr>
+          <p:cNvPr id="80" name="Straight Connector 79"/>
+          <p:cNvCxnSpPr/>
+          <p:nvPr/>
+        </p:nvCxnSpPr>
+        <p:spPr>
+          <a:xfrm>
+            <a:off x="5054454" y="1357327"/>
+            <a:ext cx="0" cy="113081"/>
+          </a:xfrm>
+          <a:prstGeom prst="line">
+            <a:avLst/>
+          </a:prstGeom>
+          <a:ln w="38100"/>
+        </p:spPr>
+        <p:style>
+          <a:lnRef idx="1">
+            <a:schemeClr val="accent1"/>
+          </a:lnRef>
+          <a:fillRef idx="0">
+            <a:schemeClr val="accent1"/>
+          </a:fillRef>
+          <a:effectRef idx="0">
+            <a:schemeClr val="accent1"/>
+          </a:effectRef>
+          <a:fontRef idx="minor">
+            <a:schemeClr val="tx1"/>
+          </a:fontRef>
+        </p:style>
+      </p:cxnSp>
+      <p:sp>
+        <p:nvSpPr>
+          <p:cNvPr id="2" name="Oval 1">
+            <a:extLst>
+              <a:ext uri="{FF2B5EF4-FFF2-40B4-BE49-F238E27FC236}">
+                <a16:creationId xmlns:a16="http://schemas.microsoft.com/office/drawing/2014/main" id="{DE0DBA90-B194-7DC4-AE61-12D94D250CB8}"/>
+              </a:ext>
+            </a:extLst>
+          </p:cNvPr>
+          <p:cNvSpPr/>
+          <p:nvPr/>
+        </p:nvSpPr>
+        <p:spPr>
+          <a:xfrm>
+            <a:off x="5914755" y="2431564"/>
+            <a:ext cx="228600" cy="228600"/>
+          </a:xfrm>
+          <a:prstGeom prst="ellipse">
+            <a:avLst/>
+          </a:prstGeom>
+          <a:solidFill>
+            <a:schemeClr val="bg1"/>
+          </a:solidFill>
+        </p:spPr>
+        <p:style>
+          <a:lnRef idx="2">
+            <a:schemeClr val="accent1">
+              <a:shade val="50000"/>
+            </a:schemeClr>
+          </a:lnRef>
+          <a:fillRef idx="1">
+            <a:schemeClr val="accent1"/>
+          </a:fillRef>
+          <a:effectRef idx="0">
+            <a:schemeClr val="accent1"/>
+          </a:effectRef>
+          <a:fontRef idx="minor">
+            <a:schemeClr val="lt1"/>
+          </a:fontRef>
+        </p:style>
+        <p:txBody>
+          <a:bodyPr rtlCol="0" anchor="ctr"/>
+          <a:lstStyle/>
+          <a:p>
+            <a:pPr algn="ctr"/>
+            <a:endParaRPr lang="en-US"/>
+          </a:p>
+        </p:txBody>
+      </p:sp>
+    </p:spTree>
+    <p:extLst>
+      <p:ext uri="{BB962C8B-B14F-4D97-AF65-F5344CB8AC3E}">
+        <p14:creationId xmlns:p14="http://schemas.microsoft.com/office/powerpoint/2010/main" val="3596128015"/>
       </p:ext>
     </p:extLst>
   </p:cSld>
@@ -13707,18 +13561,13 @@
           <a:p>
             <a:pPr algn="ctr"/>
             <a:r>
-              <a:rPr lang="en-US" sz="2000" b="1" dirty="0" smtClean="0">
+              <a:rPr lang="en-US" sz="2000" b="1" dirty="0">
                 <a:solidFill>
                   <a:schemeClr val="tx1"/>
                 </a:solidFill>
               </a:rPr>
               <a:t>Plan  cells</a:t>
             </a:r>
-            <a:endParaRPr lang="en-US" sz="2000" b="1" dirty="0">
-              <a:solidFill>
-                <a:schemeClr val="tx1"/>
-              </a:solidFill>
-            </a:endParaRPr>
           </a:p>
         </p:txBody>
       </p:sp>
@@ -13850,10 +13699,9 @@
           <a:lstStyle/>
           <a:p>
             <a:r>
-              <a:rPr lang="en-US" dirty="0" smtClean="0"/>
+              <a:rPr lang="en-US" dirty="0"/>
               <a:t>input</a:t>
             </a:r>
-            <a:endParaRPr lang="en-US" dirty="0"/>
           </a:p>
         </p:txBody>
       </p:sp>
@@ -13880,10 +13728,9 @@
           <a:lstStyle/>
           <a:p>
             <a:r>
-              <a:rPr lang="en-US" dirty="0" smtClean="0"/>
+              <a:rPr lang="en-US" dirty="0"/>
               <a:t>output</a:t>
             </a:r>
-            <a:endParaRPr lang="en-US" dirty="0"/>
           </a:p>
         </p:txBody>
       </p:sp>
@@ -13911,10 +13758,9 @@
           <a:p>
             <a:pPr algn="ctr"/>
             <a:r>
-              <a:rPr lang="en-US" b="1" dirty="0" smtClean="0"/>
+              <a:rPr lang="en-US" b="1" dirty="0"/>
               <a:t>Plan cells</a:t>
             </a:r>
-            <a:endParaRPr lang="en-US" b="1" dirty="0"/>
           </a:p>
         </p:txBody>
       </p:sp>
@@ -13941,10 +13787,9 @@
           <a:lstStyle/>
           <a:p>
             <a:r>
-              <a:rPr lang="en-US" dirty="0" smtClean="0"/>
+              <a:rPr lang="en-US" dirty="0"/>
               <a:t>Group of cells/neurons. Excitatory inputs form an “input pattern”. Cell activations for an “output pattern”</a:t>
             </a:r>
-            <a:endParaRPr lang="en-US" dirty="0"/>
           </a:p>
         </p:txBody>
       </p:sp>
@@ -14057,18 +13902,13 @@
           <a:p>
             <a:pPr algn="ctr"/>
             <a:r>
-              <a:rPr lang="en-US" sz="2000" b="1" dirty="0" smtClean="0">
+              <a:rPr lang="en-US" sz="2000" b="1" dirty="0">
                 <a:solidFill>
                   <a:schemeClr val="tx1"/>
                 </a:solidFill>
               </a:rPr>
               <a:t>Plan  cells</a:t>
             </a:r>
-            <a:endParaRPr lang="en-US" sz="2000" b="1" dirty="0">
-              <a:solidFill>
-                <a:schemeClr val="tx1"/>
-              </a:solidFill>
-            </a:endParaRPr>
           </a:p>
         </p:txBody>
       </p:sp>
@@ -15370,10 +15210,9 @@
           <a:lstStyle/>
           <a:p>
             <a:r>
-              <a:rPr lang="en-US" dirty="0" smtClean="0"/>
+              <a:rPr lang="en-US" dirty="0"/>
               <a:t>time</a:t>
             </a:r>
-            <a:endParaRPr lang="en-US" dirty="0"/>
           </a:p>
         </p:txBody>
       </p:sp>
@@ -15400,10 +15239,9 @@
           <a:lstStyle/>
           <a:p>
             <a:r>
-              <a:rPr lang="en-US" dirty="0" smtClean="0"/>
+              <a:rPr lang="en-US" dirty="0"/>
               <a:t>input</a:t>
             </a:r>
-            <a:endParaRPr lang="en-US" dirty="0"/>
           </a:p>
         </p:txBody>
       </p:sp>
@@ -15430,10 +15268,9 @@
           <a:lstStyle/>
           <a:p>
             <a:r>
-              <a:rPr lang="en-US" dirty="0" smtClean="0"/>
+              <a:rPr lang="en-US" dirty="0"/>
               <a:t>output</a:t>
             </a:r>
-            <a:endParaRPr lang="en-US" dirty="0"/>
           </a:p>
         </p:txBody>
       </p:sp>
@@ -15460,14 +15297,9 @@
           <a:lstStyle/>
           <a:p>
             <a:r>
-              <a:rPr lang="en-US" dirty="0" smtClean="0"/>
-              <a:t>Behavior: Output cells simply hold pattern of activation observed in input </a:t>
-            </a:r>
-            <a:r>
-              <a:rPr lang="en-US" dirty="0" smtClean="0"/>
-              <a:t>pattern</a:t>
-            </a:r>
-            <a:endParaRPr lang="en-US" dirty="0"/>
+              <a:rPr lang="en-US" dirty="0"/>
+              <a:t>Behavior: Output cells simply hold pattern of activation observed in input pattern</a:t>
+            </a:r>
           </a:p>
         </p:txBody>
       </p:sp>
@@ -16571,10 +16403,9 @@
           <a:lstStyle/>
           <a:p>
             <a:r>
-              <a:rPr lang="en-US" dirty="0" smtClean="0"/>
+              <a:rPr lang="en-US" dirty="0"/>
               <a:t>input</a:t>
             </a:r>
-            <a:endParaRPr lang="en-US" dirty="0"/>
           </a:p>
         </p:txBody>
       </p:sp>
@@ -16601,10 +16432,9 @@
           <a:lstStyle/>
           <a:p>
             <a:r>
-              <a:rPr lang="en-US" dirty="0" smtClean="0"/>
+              <a:rPr lang="en-US" dirty="0"/>
               <a:t>output</a:t>
             </a:r>
-            <a:endParaRPr lang="en-US" dirty="0"/>
           </a:p>
         </p:txBody>
       </p:sp>
@@ -16632,10 +16462,9 @@
           <a:p>
             <a:pPr algn="ctr"/>
             <a:r>
-              <a:rPr lang="en-US" b="1" dirty="0" smtClean="0"/>
+              <a:rPr lang="en-US" b="1" dirty="0"/>
               <a:t>Plan cells</a:t>
             </a:r>
-            <a:endParaRPr lang="en-US" b="1" dirty="0"/>
           </a:p>
         </p:txBody>
       </p:sp>
@@ -16709,18 +16538,13 @@
           <a:p>
             <a:pPr algn="ctr"/>
             <a:r>
-              <a:rPr lang="en-US" sz="2000" b="1" dirty="0" smtClean="0">
+              <a:rPr lang="en-US" sz="2000" b="1" dirty="0">
                 <a:solidFill>
                   <a:schemeClr val="tx1"/>
                 </a:solidFill>
               </a:rPr>
               <a:t>Plan  cells</a:t>
             </a:r>
-            <a:endParaRPr lang="en-US" sz="2000" b="1" dirty="0">
-              <a:solidFill>
-                <a:schemeClr val="tx1"/>
-              </a:solidFill>
-            </a:endParaRPr>
           </a:p>
         </p:txBody>
       </p:sp>
@@ -17713,10 +17537,9 @@
           <a:lstStyle/>
           <a:p>
             <a:r>
-              <a:rPr lang="en-US" dirty="0" smtClean="0"/>
+              <a:rPr lang="en-US" dirty="0"/>
               <a:t>time</a:t>
             </a:r>
-            <a:endParaRPr lang="en-US" dirty="0"/>
           </a:p>
         </p:txBody>
       </p:sp>
@@ -17743,10 +17566,9 @@
           <a:lstStyle/>
           <a:p>
             <a:r>
-              <a:rPr lang="en-US" dirty="0" smtClean="0"/>
+              <a:rPr lang="en-US" dirty="0"/>
               <a:t>input</a:t>
             </a:r>
-            <a:endParaRPr lang="en-US" dirty="0"/>
           </a:p>
         </p:txBody>
       </p:sp>
@@ -17773,10 +17595,9 @@
           <a:lstStyle/>
           <a:p>
             <a:r>
-              <a:rPr lang="en-US" dirty="0" smtClean="0"/>
+              <a:rPr lang="en-US" dirty="0"/>
               <a:t>output</a:t>
             </a:r>
-            <a:endParaRPr lang="en-US" dirty="0"/>
           </a:p>
         </p:txBody>
       </p:sp>
@@ -17803,22 +17624,9 @@
           <a:lstStyle/>
           <a:p>
             <a:r>
-              <a:rPr lang="en-US" dirty="0" smtClean="0"/>
-              <a:t>Behavior: Inhibitory inputs </a:t>
-            </a:r>
-            <a:r>
-              <a:rPr lang="en-US" dirty="0" smtClean="0"/>
-              <a:t>inhibit activation in </a:t>
-            </a:r>
-            <a:r>
-              <a:rPr lang="en-US" dirty="0" smtClean="0"/>
-              <a:t>individual </a:t>
-            </a:r>
-            <a:r>
-              <a:rPr lang="en-US" dirty="0" smtClean="0"/>
-              <a:t>Plan cells</a:t>
-            </a:r>
-            <a:endParaRPr lang="en-US" dirty="0"/>
+              <a:rPr lang="en-US" dirty="0"/>
+              <a:t>Behavior: Inhibitory inputs inhibit activation in individual Plan cells</a:t>
+            </a:r>
           </a:p>
         </p:txBody>
       </p:sp>
@@ -17950,10 +17758,9 @@
           <a:lstStyle/>
           <a:p>
             <a:r>
-              <a:rPr lang="en-US" dirty="0" smtClean="0"/>
+              <a:rPr lang="en-US" dirty="0"/>
               <a:t>Inhibitory input</a:t>
             </a:r>
-            <a:endParaRPr lang="en-US" dirty="0"/>
           </a:p>
         </p:txBody>
       </p:sp>
@@ -17980,10 +17787,9 @@
           <a:lstStyle/>
           <a:p>
             <a:r>
-              <a:rPr lang="en-US" dirty="0" smtClean="0"/>
+              <a:rPr lang="en-US" dirty="0"/>
               <a:t>Inhibitory input</a:t>
             </a:r>
-            <a:endParaRPr lang="en-US" dirty="0"/>
           </a:p>
         </p:txBody>
       </p:sp>
@@ -18010,10 +17816,9 @@
           <a:lstStyle/>
           <a:p>
             <a:r>
-              <a:rPr lang="en-US" dirty="0" smtClean="0"/>
+              <a:rPr lang="en-US" dirty="0"/>
               <a:t>output</a:t>
             </a:r>
-            <a:endParaRPr lang="en-US" dirty="0"/>
           </a:p>
         </p:txBody>
       </p:sp>
@@ -18314,10 +18119,9 @@
           <a:p>
             <a:pPr algn="ctr"/>
             <a:r>
-              <a:rPr lang="en-US" b="1" dirty="0" smtClean="0"/>
+              <a:rPr lang="en-US" b="1" dirty="0"/>
               <a:t>Plan cells</a:t>
             </a:r>
-            <a:endParaRPr lang="en-US" b="1" dirty="0"/>
           </a:p>
         </p:txBody>
       </p:sp>
@@ -18474,18 +18278,13 @@
           <a:p>
             <a:pPr algn="ctr"/>
             <a:r>
-              <a:rPr lang="en-US" sz="2000" b="1" dirty="0" smtClean="0">
+              <a:rPr lang="en-US" sz="2000" b="1" dirty="0">
                 <a:solidFill>
                   <a:schemeClr val="tx1"/>
                 </a:solidFill>
               </a:rPr>
               <a:t>Choice cells</a:t>
             </a:r>
-            <a:endParaRPr lang="en-US" sz="2000" b="1" dirty="0">
-              <a:solidFill>
-                <a:schemeClr val="tx1"/>
-              </a:solidFill>
-            </a:endParaRPr>
           </a:p>
         </p:txBody>
       </p:sp>
@@ -18617,10 +18416,9 @@
           <a:lstStyle/>
           <a:p>
             <a:r>
-              <a:rPr lang="en-US" dirty="0" smtClean="0"/>
+              <a:rPr lang="en-US" dirty="0"/>
               <a:t>input</a:t>
             </a:r>
-            <a:endParaRPr lang="en-US" dirty="0"/>
           </a:p>
         </p:txBody>
       </p:sp>
@@ -18647,10 +18445,9 @@
           <a:lstStyle/>
           <a:p>
             <a:r>
-              <a:rPr lang="en-US" dirty="0" smtClean="0"/>
+              <a:rPr lang="en-US" dirty="0"/>
               <a:t>output</a:t>
             </a:r>
-            <a:endParaRPr lang="en-US" dirty="0"/>
           </a:p>
         </p:txBody>
       </p:sp>
@@ -18678,10 +18475,9 @@
           <a:p>
             <a:pPr algn="ctr"/>
             <a:r>
-              <a:rPr lang="en-US" b="1" dirty="0" smtClean="0"/>
+              <a:rPr lang="en-US" b="1" dirty="0"/>
               <a:t>Choice cells</a:t>
             </a:r>
-            <a:endParaRPr lang="en-US" b="1" dirty="0"/>
           </a:p>
         </p:txBody>
       </p:sp>
@@ -18747,10 +18543,9 @@
           <a:lstStyle/>
           <a:p>
             <a:r>
-              <a:rPr lang="en-US" dirty="0" smtClean="0"/>
+              <a:rPr lang="en-US" dirty="0"/>
               <a:t>Like Plan cells: group of cells/neurons. Excitatory inputs form an “input pattern”. Cell activations for an “output pattern”. But behavior is different compared to Plan cells</a:t>
             </a:r>
-            <a:endParaRPr lang="en-US" dirty="0"/>
           </a:p>
         </p:txBody>
       </p:sp>
@@ -18824,18 +18619,13 @@
           <a:p>
             <a:pPr algn="ctr"/>
             <a:r>
-              <a:rPr lang="en-US" sz="2000" b="1" dirty="0" smtClean="0">
+              <a:rPr lang="en-US" sz="2000" b="1" dirty="0">
                 <a:solidFill>
                   <a:schemeClr val="tx1"/>
                 </a:solidFill>
               </a:rPr>
               <a:t>Choice cells</a:t>
             </a:r>
-            <a:endParaRPr lang="en-US" sz="2000" b="1" dirty="0">
-              <a:solidFill>
-                <a:schemeClr val="tx1"/>
-              </a:solidFill>
-            </a:endParaRPr>
           </a:p>
         </p:txBody>
       </p:sp>
@@ -19522,10 +19312,9 @@
           <a:lstStyle/>
           <a:p>
             <a:r>
-              <a:rPr lang="en-US" dirty="0" smtClean="0"/>
+              <a:rPr lang="en-US" dirty="0"/>
               <a:t>time</a:t>
             </a:r>
-            <a:endParaRPr lang="en-US" dirty="0"/>
           </a:p>
         </p:txBody>
       </p:sp>
@@ -19552,10 +19341,9 @@
           <a:lstStyle/>
           <a:p>
             <a:r>
-              <a:rPr lang="en-US" dirty="0" smtClean="0"/>
+              <a:rPr lang="en-US" dirty="0"/>
               <a:t>input</a:t>
             </a:r>
-            <a:endParaRPr lang="en-US" dirty="0"/>
           </a:p>
         </p:txBody>
       </p:sp>
@@ -19582,10 +19370,9 @@
           <a:lstStyle/>
           <a:p>
             <a:r>
-              <a:rPr lang="en-US" dirty="0" smtClean="0"/>
+              <a:rPr lang="en-US" dirty="0"/>
               <a:t>output</a:t>
             </a:r>
-            <a:endParaRPr lang="en-US" dirty="0"/>
           </a:p>
         </p:txBody>
       </p:sp>
@@ -19612,7 +19399,7 @@
           <a:lstStyle/>
           <a:p>
             <a:r>
-              <a:rPr lang="en-US" dirty="0" smtClean="0"/>
+              <a:rPr lang="en-US" dirty="0"/>
               <a:t>Behavior: Output cells keep only activation in cell with highest activation (winner takes all)</a:t>
             </a:r>
           </a:p>
@@ -19641,10 +19428,9 @@
           <a:lstStyle/>
           <a:p>
             <a:r>
-              <a:rPr lang="en-US" dirty="0" smtClean="0"/>
+              <a:rPr lang="en-US" dirty="0"/>
               <a:t>input</a:t>
             </a:r>
-            <a:endParaRPr lang="en-US" dirty="0"/>
           </a:p>
         </p:txBody>
       </p:sp>
@@ -19671,10 +19457,9 @@
           <a:lstStyle/>
           <a:p>
             <a:r>
-              <a:rPr lang="en-US" dirty="0" smtClean="0"/>
+              <a:rPr lang="en-US" dirty="0"/>
               <a:t>output</a:t>
             </a:r>
-            <a:endParaRPr lang="en-US" dirty="0"/>
           </a:p>
         </p:txBody>
       </p:sp>
@@ -19785,10 +19570,9 @@
           <a:p>
             <a:pPr algn="ctr"/>
             <a:r>
-              <a:rPr lang="en-US" b="1" dirty="0" smtClean="0"/>
+              <a:rPr lang="en-US" b="1" dirty="0"/>
               <a:t>Choice cells</a:t>
             </a:r>
-            <a:endParaRPr lang="en-US" b="1" dirty="0"/>
           </a:p>
         </p:txBody>
       </p:sp>
@@ -20446,18 +20230,13 @@
           <a:p>
             <a:pPr algn="ctr"/>
             <a:r>
-              <a:rPr lang="en-US" sz="2000" b="1" dirty="0" smtClean="0">
+              <a:rPr lang="en-US" sz="2000" b="1" dirty="0">
                 <a:solidFill>
                   <a:schemeClr val="tx1"/>
                 </a:solidFill>
               </a:rPr>
               <a:t>Choice cells</a:t>
             </a:r>
-            <a:endParaRPr lang="en-US" sz="2000" b="1" dirty="0">
-              <a:solidFill>
-                <a:schemeClr val="tx1"/>
-              </a:solidFill>
-            </a:endParaRPr>
           </a:p>
         </p:txBody>
       </p:sp>
@@ -21144,10 +20923,9 @@
           <a:lstStyle/>
           <a:p>
             <a:r>
-              <a:rPr lang="en-US" dirty="0" smtClean="0"/>
+              <a:rPr lang="en-US" dirty="0"/>
               <a:t>time</a:t>
             </a:r>
-            <a:endParaRPr lang="en-US" dirty="0"/>
           </a:p>
         </p:txBody>
       </p:sp>
@@ -21174,10 +20952,9 @@
           <a:lstStyle/>
           <a:p>
             <a:r>
-              <a:rPr lang="en-US" dirty="0" smtClean="0"/>
+              <a:rPr lang="en-US" dirty="0"/>
               <a:t>input</a:t>
             </a:r>
-            <a:endParaRPr lang="en-US" dirty="0"/>
           </a:p>
         </p:txBody>
       </p:sp>
@@ -21204,10 +20981,9 @@
           <a:lstStyle/>
           <a:p>
             <a:r>
-              <a:rPr lang="en-US" dirty="0" smtClean="0"/>
+              <a:rPr lang="en-US" dirty="0"/>
               <a:t>output</a:t>
             </a:r>
-            <a:endParaRPr lang="en-US" dirty="0"/>
           </a:p>
         </p:txBody>
       </p:sp>
@@ -21234,7 +21010,7 @@
           <a:lstStyle/>
           <a:p>
             <a:r>
-              <a:rPr lang="en-US" dirty="0" smtClean="0"/>
+              <a:rPr lang="en-US" dirty="0"/>
               <a:t>Behavior: Output cells keep only activation in cell with highest activation (winner takes all). But now, output pattern is maintained and input is disregarded (until choice cells are inhibited, which would initiate a new winner-takes-all competition)</a:t>
             </a:r>
           </a:p>
@@ -21263,10 +21039,9 @@
           <a:lstStyle/>
           <a:p>
             <a:r>
-              <a:rPr lang="en-US" dirty="0" smtClean="0"/>
+              <a:rPr lang="en-US" dirty="0"/>
               <a:t>input</a:t>
             </a:r>
-            <a:endParaRPr lang="en-US" dirty="0"/>
           </a:p>
         </p:txBody>
       </p:sp>
@@ -21293,10 +21068,9 @@
           <a:lstStyle/>
           <a:p>
             <a:r>
-              <a:rPr lang="en-US" dirty="0" smtClean="0"/>
+              <a:rPr lang="en-US" dirty="0"/>
               <a:t>output</a:t>
             </a:r>
-            <a:endParaRPr lang="en-US" dirty="0"/>
           </a:p>
         </p:txBody>
       </p:sp>
@@ -22079,10 +21853,9 @@
           <a:lstStyle/>
           <a:p>
             <a:r>
-              <a:rPr lang="en-US" dirty="0" smtClean="0"/>
+              <a:rPr lang="en-US" dirty="0"/>
               <a:t>Inhibitory input</a:t>
             </a:r>
-            <a:endParaRPr lang="en-US" dirty="0"/>
           </a:p>
         </p:txBody>
       </p:sp>
@@ -22110,10 +21883,9 @@
           <a:p>
             <a:pPr algn="ctr"/>
             <a:r>
-              <a:rPr lang="en-US" b="1" dirty="0" smtClean="0"/>
+              <a:rPr lang="en-US" b="1" dirty="0"/>
               <a:t>Choice cells</a:t>
             </a:r>
-            <a:endParaRPr lang="en-US" b="1" dirty="0"/>
           </a:p>
         </p:txBody>
       </p:sp>
@@ -22202,10 +21974,9 @@
           <a:lstStyle/>
           <a:p>
             <a:r>
-              <a:rPr lang="en-US" dirty="0" smtClean="0"/>
+              <a:rPr lang="en-US" dirty="0"/>
               <a:t>GODIVA Simulink Building Blocks</a:t>
             </a:r>
-            <a:endParaRPr lang="en-US" dirty="0"/>
           </a:p>
         </p:txBody>
       </p:sp>
@@ -22319,18 +22090,13 @@
           <a:p>
             <a:pPr algn="ctr"/>
             <a:r>
-              <a:rPr lang="en-US" sz="2000" b="1" dirty="0" smtClean="0">
+              <a:rPr lang="en-US" sz="2000" b="1" dirty="0">
                 <a:solidFill>
                   <a:schemeClr val="tx1"/>
                 </a:solidFill>
               </a:rPr>
               <a:t>Plan  cells</a:t>
             </a:r>
-            <a:endParaRPr lang="en-US" sz="2000" b="1" dirty="0">
-              <a:solidFill>
-                <a:schemeClr val="tx1"/>
-              </a:solidFill>
-            </a:endParaRPr>
           </a:p>
         </p:txBody>
       </p:sp>
@@ -22374,18 +22140,13 @@
           <a:p>
             <a:pPr algn="ctr"/>
             <a:r>
-              <a:rPr lang="en-US" sz="2000" b="1" dirty="0" smtClean="0">
+              <a:rPr lang="en-US" sz="2000" b="1" dirty="0">
                 <a:solidFill>
                   <a:schemeClr val="tx1"/>
                 </a:solidFill>
               </a:rPr>
               <a:t>Choice  cells</a:t>
             </a:r>
-            <a:endParaRPr lang="en-US" sz="2000" b="1" dirty="0">
-              <a:solidFill>
-                <a:schemeClr val="tx1"/>
-              </a:solidFill>
-            </a:endParaRPr>
           </a:p>
         </p:txBody>
       </p:sp>
@@ -22919,14 +22680,14 @@
           <a:p>
             <a:pPr algn="ctr"/>
             <a:r>
-              <a:rPr lang="en-US" b="1" dirty="0" smtClean="0"/>
+              <a:rPr lang="en-US" b="1" dirty="0"/>
               <a:t>Main building block in </a:t>
             </a:r>
             <a:r>
-              <a:rPr lang="en-US" b="1" dirty="0" err="1" smtClean="0"/>
+              <a:rPr lang="en-US" b="1" dirty="0" err="1"/>
               <a:t>goDIVA</a:t>
             </a:r>
-            <a:endParaRPr lang="en-US" b="1" dirty="0" smtClean="0"/>
+            <a:endParaRPr lang="en-US" b="1" dirty="0"/>
           </a:p>
           <a:p>
             <a:pPr algn="ctr"/>
@@ -23100,10 +22861,9 @@
           <a:lstStyle/>
           <a:p>
             <a:r>
-              <a:rPr lang="en-US" i="1" dirty="0" smtClean="0"/>
+              <a:rPr lang="en-US" i="1" dirty="0"/>
               <a:t>gate</a:t>
             </a:r>
-            <a:endParaRPr lang="en-US" i="1" dirty="0"/>
           </a:p>
         </p:txBody>
       </p:sp>
@@ -23130,10 +22890,9 @@
           <a:lstStyle/>
           <a:p>
             <a:r>
-              <a:rPr lang="en-US" i="1" dirty="0" smtClean="0"/>
+              <a:rPr lang="en-US" i="1" dirty="0"/>
               <a:t>inhibition</a:t>
             </a:r>
-            <a:endParaRPr lang="en-US" i="1" dirty="0"/>
           </a:p>
         </p:txBody>
       </p:sp>
@@ -23160,10 +22919,9 @@
           <a:lstStyle/>
           <a:p>
             <a:r>
-              <a:rPr lang="en-US" i="1" dirty="0" smtClean="0"/>
+              <a:rPr lang="en-US" i="1" dirty="0"/>
               <a:t>input</a:t>
             </a:r>
-            <a:endParaRPr lang="en-US" i="1" dirty="0"/>
           </a:p>
         </p:txBody>
       </p:sp>
@@ -23190,10 +22948,9 @@
           <a:lstStyle/>
           <a:p>
             <a:r>
-              <a:rPr lang="en-US" i="1" dirty="0" smtClean="0"/>
+              <a:rPr lang="en-US" i="1" dirty="0"/>
               <a:t>output</a:t>
             </a:r>
-            <a:endParaRPr lang="en-US" i="1" dirty="0"/>
           </a:p>
         </p:txBody>
       </p:sp>

--- a/GodivaBuildingBlocks.pptx
+++ b/GodivaBuildingBlocks.pptx
@@ -5,7 +5,7 @@
     <p:sldMasterId id="2147483648" r:id="rId1"/>
   </p:sldMasterIdLst>
   <p:notesMasterIdLst>
-    <p:notesMasterId r:id="rId28"/>
+    <p:notesMasterId r:id="rId29"/>
   </p:notesMasterIdLst>
   <p:sldIdLst>
     <p:sldId id="267" r:id="rId2"/>
@@ -34,6 +34,7 @@
     <p:sldId id="281" r:id="rId25"/>
     <p:sldId id="266" r:id="rId26"/>
     <p:sldId id="283" r:id="rId27"/>
+    <p:sldId id="285" r:id="rId28"/>
   </p:sldIdLst>
   <p:sldSz cx="9144000" cy="6858000" type="screen4x3"/>
   <p:notesSz cx="6858000" cy="9144000"/>
@@ -13456,6 +13457,681 @@
     <p:extLst>
       <p:ext uri="{BB962C8B-B14F-4D97-AF65-F5344CB8AC3E}">
         <p14:creationId xmlns:p14="http://schemas.microsoft.com/office/powerpoint/2010/main" val="3596128015"/>
+      </p:ext>
+    </p:extLst>
+  </p:cSld>
+  <p:clrMapOvr>
+    <a:masterClrMapping/>
+  </p:clrMapOvr>
+</p:sld>
+</file>
+
+<file path=ppt/slides/slide27.xml><?xml version="1.0" encoding="utf-8"?>
+<p:sld xmlns:a="http://schemas.openxmlformats.org/drawingml/2006/main" xmlns:r="http://schemas.openxmlformats.org/officeDocument/2006/relationships" xmlns:p="http://schemas.openxmlformats.org/presentationml/2006/main">
+  <p:cSld>
+    <p:bg>
+      <p:bgPr>
+        <a:solidFill>
+          <a:schemeClr val="bg1"/>
+        </a:solidFill>
+        <a:effectLst/>
+      </p:bgPr>
+    </p:bg>
+    <p:spTree>
+      <p:nvGrpSpPr>
+        <p:cNvPr id="1" name=""/>
+        <p:cNvGrpSpPr/>
+        <p:nvPr/>
+      </p:nvGrpSpPr>
+      <p:grpSpPr>
+        <a:xfrm>
+          <a:off x="0" y="0"/>
+          <a:ext cx="0" cy="0"/>
+          <a:chOff x="0" y="0"/>
+          <a:chExt cx="0" cy="0"/>
+        </a:xfrm>
+      </p:grpSpPr>
+      <p:cxnSp>
+        <p:nvCxnSpPr>
+          <p:cNvPr id="8" name="Straight Connector 7"/>
+          <p:cNvCxnSpPr/>
+          <p:nvPr/>
+        </p:nvCxnSpPr>
+        <p:spPr>
+          <a:xfrm>
+            <a:off x="5867400" y="3479730"/>
+            <a:ext cx="723900" cy="0"/>
+          </a:xfrm>
+          <a:prstGeom prst="line">
+            <a:avLst/>
+          </a:prstGeom>
+          <a:ln w="38100"/>
+        </p:spPr>
+        <p:style>
+          <a:lnRef idx="1">
+            <a:schemeClr val="accent1"/>
+          </a:lnRef>
+          <a:fillRef idx="0">
+            <a:schemeClr val="accent1"/>
+          </a:fillRef>
+          <a:effectRef idx="0">
+            <a:schemeClr val="accent1"/>
+          </a:effectRef>
+          <a:fontRef idx="minor">
+            <a:schemeClr val="tx1"/>
+          </a:fontRef>
+        </p:style>
+      </p:cxnSp>
+      <p:sp>
+        <p:nvSpPr>
+          <p:cNvPr id="9" name="Rounded Rectangle 8"/>
+          <p:cNvSpPr/>
+          <p:nvPr/>
+        </p:nvSpPr>
+        <p:spPr>
+          <a:xfrm rot="16200000">
+            <a:off x="3288404" y="3149955"/>
+            <a:ext cx="1625959" cy="685803"/>
+          </a:xfrm>
+          <a:prstGeom prst="roundRect">
+            <a:avLst/>
+          </a:prstGeom>
+          <a:solidFill>
+            <a:srgbClr val="00B0F0"/>
+          </a:solidFill>
+        </p:spPr>
+        <p:style>
+          <a:lnRef idx="2">
+            <a:schemeClr val="accent1">
+              <a:shade val="50000"/>
+            </a:schemeClr>
+          </a:lnRef>
+          <a:fillRef idx="1">
+            <a:schemeClr val="accent1"/>
+          </a:fillRef>
+          <a:effectRef idx="0">
+            <a:schemeClr val="accent1"/>
+          </a:effectRef>
+          <a:fontRef idx="minor">
+            <a:schemeClr val="lt1"/>
+          </a:fontRef>
+        </p:style>
+        <p:txBody>
+          <a:bodyPr lIns="91436" tIns="45717" rIns="91436" bIns="45717" spcCol="0" rtlCol="0" anchor="ctr"/>
+          <a:lstStyle/>
+          <a:p>
+            <a:pPr algn="ctr"/>
+            <a:r>
+              <a:rPr lang="en-US" sz="2000" b="1" dirty="0">
+                <a:solidFill>
+                  <a:schemeClr val="tx1"/>
+                </a:solidFill>
+              </a:rPr>
+              <a:t>Plan  cells</a:t>
+            </a:r>
+          </a:p>
+        </p:txBody>
+      </p:sp>
+      <p:sp>
+        <p:nvSpPr>
+          <p:cNvPr id="10" name="Rounded Rectangle 9"/>
+          <p:cNvSpPr/>
+          <p:nvPr/>
+        </p:nvSpPr>
+        <p:spPr>
+          <a:xfrm rot="16200000">
+            <a:off x="4838162" y="3175717"/>
+            <a:ext cx="1625959" cy="634283"/>
+          </a:xfrm>
+          <a:prstGeom prst="roundRect">
+            <a:avLst/>
+          </a:prstGeom>
+          <a:solidFill>
+            <a:srgbClr val="00B0F0"/>
+          </a:solidFill>
+        </p:spPr>
+        <p:style>
+          <a:lnRef idx="2">
+            <a:schemeClr val="accent1">
+              <a:shade val="50000"/>
+            </a:schemeClr>
+          </a:lnRef>
+          <a:fillRef idx="1">
+            <a:schemeClr val="accent1"/>
+          </a:fillRef>
+          <a:effectRef idx="0">
+            <a:schemeClr val="accent1"/>
+          </a:effectRef>
+          <a:fontRef idx="minor">
+            <a:schemeClr val="lt1"/>
+          </a:fontRef>
+        </p:style>
+        <p:txBody>
+          <a:bodyPr lIns="91436" tIns="45717" rIns="91436" bIns="45717" spcCol="0" rtlCol="0" anchor="ctr"/>
+          <a:lstStyle/>
+          <a:p>
+            <a:pPr algn="ctr"/>
+            <a:r>
+              <a:rPr lang="en-US" sz="2000" b="1" dirty="0">
+                <a:solidFill>
+                  <a:schemeClr val="tx1"/>
+                </a:solidFill>
+              </a:rPr>
+              <a:t>Choice  cells</a:t>
+            </a:r>
+          </a:p>
+        </p:txBody>
+      </p:sp>
+      <p:cxnSp>
+        <p:nvCxnSpPr>
+          <p:cNvPr id="11" name="Straight Connector 10"/>
+          <p:cNvCxnSpPr>
+            <a:endCxn id="12" idx="2"/>
+          </p:cNvCxnSpPr>
+          <p:nvPr/>
+        </p:nvCxnSpPr>
+        <p:spPr>
+          <a:xfrm>
+            <a:off x="4405647" y="3657059"/>
+            <a:ext cx="685800" cy="0"/>
+          </a:xfrm>
+          <a:prstGeom prst="line">
+            <a:avLst/>
+          </a:prstGeom>
+          <a:ln w="38100"/>
+        </p:spPr>
+        <p:style>
+          <a:lnRef idx="1">
+            <a:schemeClr val="accent1"/>
+          </a:lnRef>
+          <a:fillRef idx="0">
+            <a:schemeClr val="accent1"/>
+          </a:fillRef>
+          <a:effectRef idx="0">
+            <a:schemeClr val="accent1"/>
+          </a:effectRef>
+          <a:fontRef idx="minor">
+            <a:schemeClr val="tx1"/>
+          </a:fontRef>
+        </p:style>
+      </p:cxnSp>
+      <p:sp>
+        <p:nvSpPr>
+          <p:cNvPr id="12" name="Oval 11"/>
+          <p:cNvSpPr/>
+          <p:nvPr/>
+        </p:nvSpPr>
+        <p:spPr>
+          <a:xfrm>
+            <a:off x="5091447" y="3542759"/>
+            <a:ext cx="228600" cy="228600"/>
+          </a:xfrm>
+          <a:prstGeom prst="ellipse">
+            <a:avLst/>
+          </a:prstGeom>
+          <a:solidFill>
+            <a:schemeClr val="bg1"/>
+          </a:solidFill>
+        </p:spPr>
+        <p:style>
+          <a:lnRef idx="2">
+            <a:schemeClr val="accent1">
+              <a:shade val="50000"/>
+            </a:schemeClr>
+          </a:lnRef>
+          <a:fillRef idx="1">
+            <a:schemeClr val="accent1"/>
+          </a:fillRef>
+          <a:effectRef idx="0">
+            <a:schemeClr val="accent1"/>
+          </a:effectRef>
+          <a:fontRef idx="minor">
+            <a:schemeClr val="lt1"/>
+          </a:fontRef>
+        </p:style>
+        <p:txBody>
+          <a:bodyPr rtlCol="0" anchor="ctr"/>
+          <a:lstStyle/>
+          <a:p>
+            <a:pPr algn="ctr"/>
+            <a:endParaRPr lang="en-US"/>
+          </a:p>
+        </p:txBody>
+      </p:sp>
+      <p:grpSp>
+        <p:nvGrpSpPr>
+          <p:cNvPr id="13" name="Group 12"/>
+          <p:cNvGrpSpPr/>
+          <p:nvPr/>
+        </p:nvGrpSpPr>
+        <p:grpSpPr>
+          <a:xfrm>
+            <a:off x="4471115" y="3136539"/>
+            <a:ext cx="914400" cy="228600"/>
+            <a:chOff x="3836831" y="3098979"/>
+            <a:chExt cx="914400" cy="228600"/>
+          </a:xfrm>
+        </p:grpSpPr>
+        <p:cxnSp>
+          <p:nvCxnSpPr>
+            <p:cNvPr id="14" name="Straight Connector 13"/>
+            <p:cNvCxnSpPr>
+              <a:endCxn id="15" idx="2"/>
+            </p:cNvCxnSpPr>
+            <p:nvPr/>
+          </p:nvCxnSpPr>
+          <p:spPr>
+            <a:xfrm rot="10800000">
+              <a:off x="4065431" y="3213279"/>
+              <a:ext cx="685800" cy="0"/>
+            </a:xfrm>
+            <a:prstGeom prst="line">
+              <a:avLst/>
+            </a:prstGeom>
+            <a:ln w="38100"/>
+          </p:spPr>
+          <p:style>
+            <a:lnRef idx="1">
+              <a:schemeClr val="accent1"/>
+            </a:lnRef>
+            <a:fillRef idx="0">
+              <a:schemeClr val="accent1"/>
+            </a:fillRef>
+            <a:effectRef idx="0">
+              <a:schemeClr val="accent1"/>
+            </a:effectRef>
+            <a:fontRef idx="minor">
+              <a:schemeClr val="tx1"/>
+            </a:fontRef>
+          </p:style>
+        </p:cxnSp>
+        <p:sp>
+          <p:nvSpPr>
+            <p:cNvPr id="15" name="Oval 14"/>
+            <p:cNvSpPr/>
+            <p:nvPr/>
+          </p:nvSpPr>
+          <p:spPr>
+            <a:xfrm rot="10800000">
+              <a:off x="3836831" y="3098979"/>
+              <a:ext cx="228600" cy="228600"/>
+            </a:xfrm>
+            <a:prstGeom prst="ellipse">
+              <a:avLst/>
+            </a:prstGeom>
+            <a:solidFill>
+              <a:srgbClr val="0070C0"/>
+            </a:solidFill>
+          </p:spPr>
+          <p:style>
+            <a:lnRef idx="2">
+              <a:schemeClr val="accent1">
+                <a:shade val="50000"/>
+              </a:schemeClr>
+            </a:lnRef>
+            <a:fillRef idx="1">
+              <a:schemeClr val="accent1"/>
+            </a:fillRef>
+            <a:effectRef idx="0">
+              <a:schemeClr val="accent1"/>
+            </a:effectRef>
+            <a:fontRef idx="minor">
+              <a:schemeClr val="lt1"/>
+            </a:fontRef>
+          </p:style>
+          <p:txBody>
+            <a:bodyPr rtlCol="0" anchor="ctr"/>
+            <a:lstStyle/>
+            <a:p>
+              <a:pPr algn="ctr"/>
+              <a:endParaRPr lang="en-US" dirty="0"/>
+            </a:p>
+          </p:txBody>
+        </p:sp>
+      </p:grpSp>
+      <p:cxnSp>
+        <p:nvCxnSpPr>
+          <p:cNvPr id="16" name="Straight Connector 15"/>
+          <p:cNvCxnSpPr>
+            <a:endCxn id="17" idx="2"/>
+          </p:cNvCxnSpPr>
+          <p:nvPr/>
+        </p:nvCxnSpPr>
+        <p:spPr>
+          <a:xfrm>
+            <a:off x="2287103" y="3479440"/>
+            <a:ext cx="1230975" cy="0"/>
+          </a:xfrm>
+          <a:prstGeom prst="line">
+            <a:avLst/>
+          </a:prstGeom>
+          <a:ln w="38100"/>
+        </p:spPr>
+        <p:style>
+          <a:lnRef idx="1">
+            <a:schemeClr val="accent1"/>
+          </a:lnRef>
+          <a:fillRef idx="0">
+            <a:schemeClr val="accent1"/>
+          </a:fillRef>
+          <a:effectRef idx="0">
+            <a:schemeClr val="accent1"/>
+          </a:effectRef>
+          <a:fontRef idx="minor">
+            <a:schemeClr val="tx1"/>
+          </a:fontRef>
+        </p:style>
+      </p:cxnSp>
+      <p:sp>
+        <p:nvSpPr>
+          <p:cNvPr id="17" name="Oval 16"/>
+          <p:cNvSpPr/>
+          <p:nvPr/>
+        </p:nvSpPr>
+        <p:spPr>
+          <a:xfrm>
+            <a:off x="3518078" y="3365140"/>
+            <a:ext cx="228600" cy="228600"/>
+          </a:xfrm>
+          <a:prstGeom prst="ellipse">
+            <a:avLst/>
+          </a:prstGeom>
+          <a:solidFill>
+            <a:schemeClr val="bg1"/>
+          </a:solidFill>
+        </p:spPr>
+        <p:style>
+          <a:lnRef idx="2">
+            <a:schemeClr val="accent1">
+              <a:shade val="50000"/>
+            </a:schemeClr>
+          </a:lnRef>
+          <a:fillRef idx="1">
+            <a:schemeClr val="accent1"/>
+          </a:fillRef>
+          <a:effectRef idx="0">
+            <a:schemeClr val="accent1"/>
+          </a:effectRef>
+          <a:fontRef idx="minor">
+            <a:schemeClr val="lt1"/>
+          </a:fontRef>
+        </p:style>
+        <p:txBody>
+          <a:bodyPr rtlCol="0" anchor="ctr"/>
+          <a:lstStyle/>
+          <a:p>
+            <a:pPr algn="ctr"/>
+            <a:endParaRPr lang="en-US"/>
+          </a:p>
+        </p:txBody>
+      </p:sp>
+      <p:cxnSp>
+        <p:nvCxnSpPr>
+          <p:cNvPr id="18" name="Straight Connector 17"/>
+          <p:cNvCxnSpPr/>
+          <p:nvPr/>
+        </p:nvCxnSpPr>
+        <p:spPr>
+          <a:xfrm flipH="1">
+            <a:off x="2304779" y="2336976"/>
+            <a:ext cx="3358705" cy="1"/>
+          </a:xfrm>
+          <a:prstGeom prst="line">
+            <a:avLst/>
+          </a:prstGeom>
+          <a:ln w="38100"/>
+        </p:spPr>
+        <p:style>
+          <a:lnRef idx="1">
+            <a:schemeClr val="accent1"/>
+          </a:lnRef>
+          <a:fillRef idx="0">
+            <a:schemeClr val="accent1"/>
+          </a:fillRef>
+          <a:effectRef idx="0">
+            <a:schemeClr val="accent1"/>
+          </a:effectRef>
+          <a:fontRef idx="minor">
+            <a:schemeClr val="tx1"/>
+          </a:fontRef>
+        </p:style>
+      </p:cxnSp>
+      <p:cxnSp>
+        <p:nvCxnSpPr>
+          <p:cNvPr id="19" name="Straight Connector 18"/>
+          <p:cNvCxnSpPr>
+            <a:endCxn id="20" idx="2"/>
+          </p:cNvCxnSpPr>
+          <p:nvPr/>
+        </p:nvCxnSpPr>
+        <p:spPr>
+          <a:xfrm>
+            <a:off x="5651142" y="2336976"/>
+            <a:ext cx="0" cy="113081"/>
+          </a:xfrm>
+          <a:prstGeom prst="line">
+            <a:avLst/>
+          </a:prstGeom>
+          <a:ln w="38100"/>
+        </p:spPr>
+        <p:style>
+          <a:lnRef idx="1">
+            <a:schemeClr val="accent1"/>
+          </a:lnRef>
+          <a:fillRef idx="0">
+            <a:schemeClr val="accent1"/>
+          </a:fillRef>
+          <a:effectRef idx="0">
+            <a:schemeClr val="accent1"/>
+          </a:effectRef>
+          <a:fontRef idx="minor">
+            <a:schemeClr val="tx1"/>
+          </a:fontRef>
+        </p:style>
+      </p:cxnSp>
+      <p:sp>
+        <p:nvSpPr>
+          <p:cNvPr id="20" name="Oval 19"/>
+          <p:cNvSpPr/>
+          <p:nvPr/>
+        </p:nvSpPr>
+        <p:spPr>
+          <a:xfrm rot="5400000" flipV="1">
+            <a:off x="5542366" y="2444533"/>
+            <a:ext cx="217552" cy="228600"/>
+          </a:xfrm>
+          <a:prstGeom prst="ellipse">
+            <a:avLst/>
+          </a:prstGeom>
+          <a:solidFill>
+            <a:srgbClr val="0070C0"/>
+          </a:solidFill>
+        </p:spPr>
+        <p:style>
+          <a:lnRef idx="2">
+            <a:schemeClr val="accent1">
+              <a:shade val="50000"/>
+            </a:schemeClr>
+          </a:lnRef>
+          <a:fillRef idx="1">
+            <a:schemeClr val="accent1"/>
+          </a:fillRef>
+          <a:effectRef idx="0">
+            <a:schemeClr val="accent1"/>
+          </a:effectRef>
+          <a:fontRef idx="minor">
+            <a:schemeClr val="lt1"/>
+          </a:fontRef>
+        </p:style>
+        <p:txBody>
+          <a:bodyPr rtlCol="0" anchor="ctr"/>
+          <a:lstStyle/>
+          <a:p>
+            <a:pPr algn="ctr"/>
+            <a:endParaRPr lang="en-US" dirty="0"/>
+          </a:p>
+        </p:txBody>
+      </p:sp>
+      <p:cxnSp>
+        <p:nvCxnSpPr>
+          <p:cNvPr id="21" name="Straight Connector 20"/>
+          <p:cNvCxnSpPr/>
+          <p:nvPr/>
+        </p:nvCxnSpPr>
+        <p:spPr>
+          <a:xfrm flipH="1">
+            <a:off x="2287102" y="4657740"/>
+            <a:ext cx="2614383" cy="15679"/>
+          </a:xfrm>
+          <a:prstGeom prst="line">
+            <a:avLst/>
+          </a:prstGeom>
+          <a:ln w="38100">
+            <a:prstDash val="sysDash"/>
+          </a:ln>
+        </p:spPr>
+        <p:style>
+          <a:lnRef idx="1">
+            <a:schemeClr val="accent1"/>
+          </a:lnRef>
+          <a:fillRef idx="0">
+            <a:schemeClr val="accent1"/>
+          </a:fillRef>
+          <a:effectRef idx="0">
+            <a:schemeClr val="accent1"/>
+          </a:effectRef>
+          <a:fontRef idx="minor">
+            <a:schemeClr val="tx1"/>
+          </a:fontRef>
+        </p:style>
+      </p:cxnSp>
+      <p:cxnSp>
+        <p:nvCxnSpPr>
+          <p:cNvPr id="22" name="Straight Connector 21"/>
+          <p:cNvCxnSpPr>
+            <a:endCxn id="24" idx="0"/>
+          </p:cNvCxnSpPr>
+          <p:nvPr/>
+        </p:nvCxnSpPr>
+        <p:spPr>
+          <a:xfrm flipV="1">
+            <a:off x="4897192" y="3860976"/>
+            <a:ext cx="0" cy="796764"/>
+          </a:xfrm>
+          <a:prstGeom prst="line">
+            <a:avLst/>
+          </a:prstGeom>
+          <a:ln w="38100">
+            <a:prstDash val="sysDash"/>
+            <a:headEnd type="none" w="med" len="med"/>
+            <a:tailEnd type="none" w="med" len="med"/>
+          </a:ln>
+        </p:spPr>
+        <p:style>
+          <a:lnRef idx="1">
+            <a:schemeClr val="accent1"/>
+          </a:lnRef>
+          <a:fillRef idx="0">
+            <a:schemeClr val="accent1"/>
+          </a:fillRef>
+          <a:effectRef idx="0">
+            <a:schemeClr val="accent1"/>
+          </a:effectRef>
+          <a:fontRef idx="minor">
+            <a:schemeClr val="tx1"/>
+          </a:fontRef>
+        </p:style>
+      </p:cxnSp>
+      <p:sp>
+        <p:nvSpPr>
+          <p:cNvPr id="23" name="Oval 22"/>
+          <p:cNvSpPr/>
+          <p:nvPr/>
+        </p:nvSpPr>
+        <p:spPr>
+          <a:xfrm rot="2700000">
+            <a:off x="6600545" y="3369311"/>
+            <a:ext cx="228600" cy="228600"/>
+          </a:xfrm>
+          <a:prstGeom prst="ellipse">
+            <a:avLst/>
+          </a:prstGeom>
+          <a:solidFill>
+            <a:schemeClr val="bg1"/>
+          </a:solidFill>
+        </p:spPr>
+        <p:style>
+          <a:lnRef idx="2">
+            <a:schemeClr val="accent1">
+              <a:shade val="50000"/>
+            </a:schemeClr>
+          </a:lnRef>
+          <a:fillRef idx="1">
+            <a:schemeClr val="accent1"/>
+          </a:fillRef>
+          <a:effectRef idx="0">
+            <a:schemeClr val="accent1"/>
+          </a:effectRef>
+          <a:fontRef idx="minor">
+            <a:schemeClr val="lt1"/>
+          </a:fontRef>
+        </p:style>
+        <p:txBody>
+          <a:bodyPr rtlCol="0" anchor="ctr"/>
+          <a:lstStyle/>
+          <a:p>
+            <a:pPr algn="ctr"/>
+            <a:endParaRPr lang="en-US"/>
+          </a:p>
+        </p:txBody>
+      </p:sp>
+      <p:sp>
+        <p:nvSpPr>
+          <p:cNvPr id="24" name="Isosceles Triangle 23"/>
+          <p:cNvSpPr/>
+          <p:nvPr/>
+        </p:nvSpPr>
+        <p:spPr>
+          <a:xfrm rot="10800000">
+            <a:off x="4815626" y="3708576"/>
+            <a:ext cx="163132" cy="152400"/>
+          </a:xfrm>
+          <a:prstGeom prst="triangle">
+            <a:avLst/>
+          </a:prstGeom>
+          <a:solidFill>
+            <a:schemeClr val="bg1"/>
+          </a:solidFill>
+        </p:spPr>
+        <p:style>
+          <a:lnRef idx="2">
+            <a:schemeClr val="accent1">
+              <a:shade val="50000"/>
+            </a:schemeClr>
+          </a:lnRef>
+          <a:fillRef idx="1">
+            <a:schemeClr val="accent1"/>
+          </a:fillRef>
+          <a:effectRef idx="0">
+            <a:schemeClr val="accent1"/>
+          </a:effectRef>
+          <a:fontRef idx="minor">
+            <a:schemeClr val="lt1"/>
+          </a:fontRef>
+        </p:style>
+        <p:txBody>
+          <a:bodyPr rtlCol="0" anchor="ctr"/>
+          <a:lstStyle/>
+          <a:p>
+            <a:pPr algn="ctr"/>
+            <a:endParaRPr lang="en-US"/>
+          </a:p>
+        </p:txBody>
+      </p:sp>
+    </p:spTree>
+    <p:extLst>
+      <p:ext uri="{BB962C8B-B14F-4D97-AF65-F5344CB8AC3E}">
+        <p14:creationId xmlns:p14="http://schemas.microsoft.com/office/powerpoint/2010/main" val="13009372"/>
       </p:ext>
     </p:extLst>
   </p:cSld>
